--- a/docs/promotional-campaign/presentations/video-03-one-server-unlimited-scenarios.pptx
+++ b/docs/promotional-campaign/presentations/video-03-one-server-unlimited-scenarios.pptx
@@ -3158,7 +3158,7 @@
         <p:spPr>
           <a:xfrm>
             <a:off x="457200" y="2286000"/>
-            <a:ext cx="11277295" cy="1371600"/>
+            <a:ext cx="11274552" cy="914400"/>
           </a:xfrm>
           <a:prstGeom prst="rect">
             <a:avLst/>
@@ -3172,14 +3172,14 @@
           <a:lstStyle/>
           <a:p>
             <a:pPr algn="ctr">
-              <a:defRPr sz="7200" b="1">
+              <a:defRPr sz="5400" b="1">
                 <a:solidFill>
                   <a:srgbClr val="FFFFFF"/>
                 </a:solidFill>
               </a:defRPr>
             </a:pPr>
             <a:r>
-              <a:t>One Server</a:t>
+              <a:t>One Server, Unlimited Scenarios</a:t>
             </a:r>
           </a:p>
         </p:txBody>
@@ -3192,8 +3192,8 @@
         </p:nvSpPr>
         <p:spPr>
           <a:xfrm>
-            <a:off x="457200" y="3474720"/>
-            <a:ext cx="11277295" cy="1371600"/>
+            <a:off x="457200" y="3200400"/>
+            <a:ext cx="11274552" cy="914400"/>
           </a:xfrm>
           <a:prstGeom prst="rect">
             <a:avLst/>
@@ -3207,14 +3207,14 @@
           <a:lstStyle/>
           <a:p>
             <a:pPr algn="ctr">
-              <a:defRPr sz="7200" b="1">
-                <a:solidFill>
-                  <a:srgbClr val="F59E0B"/>
-                </a:solidFill>
-              </a:defRPr>
-            </a:pPr>
-            <a:r>
-              <a:t>Unlimited Scenarios</a:t>
+              <a:defRPr sz="3200">
+                <a:solidFill>
+                  <a:srgbClr val="A1A1AA"/>
+                </a:solidFill>
+              </a:defRPr>
+            </a:pPr>
+            <a:r>
+              <a:t>Video 3: How Scenarist Makes Testing Easy</a:t>
             </a:r>
           </a:p>
         </p:txBody>
@@ -3289,7 +3289,7 @@
         <p:spPr>
           <a:xfrm>
             <a:off x="457200" y="457200"/>
-            <a:ext cx="11277295" cy="1371600"/>
+            <a:ext cx="11274552" cy="914400"/>
           </a:xfrm>
           <a:prstGeom prst="rect">
             <a:avLst/>
@@ -3310,51 +3310,62 @@
               </a:defRPr>
             </a:pPr>
             <a:r>
-              <a:t>Test 1: Happy Path</a:t>
-            </a:r>
-          </a:p>
-        </p:txBody>
-      </p:sp>
-      <p:sp>
-        <p:nvSpPr>
-          <p:cNvPr id="4" name="Rounded Rectangle 3"/>
-          <p:cNvSpPr/>
-          <p:nvPr/>
-        </p:nvSpPr>
-        <p:spPr>
-          <a:xfrm>
-            <a:off x="914400" y="1371600"/>
-            <a:ext cx="10362895" cy="2926080"/>
-          </a:xfrm>
-          <a:prstGeom prst="roundRect">
+              <a:t>Test 1: Pro User Discount</a:t>
+            </a:r>
+          </a:p>
+        </p:txBody>
+      </p:sp>
+      <p:sp>
+        <p:nvSpPr>
+          <p:cNvPr id="4" name="TextBox 3"/>
+          <p:cNvSpPr txBox="1"/>
+          <p:nvPr/>
+        </p:nvSpPr>
+        <p:spPr>
+          <a:xfrm>
+            <a:off x="914400" y="1645920"/>
+            <a:ext cx="10058400" cy="2286000"/>
+          </a:xfrm>
+          <a:prstGeom prst="rect">
             <a:avLst/>
           </a:prstGeom>
           <a:solidFill>
             <a:srgbClr val="27272A"/>
           </a:solidFill>
-          <a:ln>
-            <a:noFill/>
-          </a:ln>
-        </p:spPr>
-        <p:style>
-          <a:lnRef idx="1">
-            <a:schemeClr val="accent1"/>
-          </a:lnRef>
-          <a:fillRef idx="3">
-            <a:schemeClr val="accent1"/>
-          </a:fillRef>
-          <a:effectRef idx="2">
-            <a:schemeClr val="accent1"/>
-          </a:effectRef>
-          <a:fontRef idx="minor">
-            <a:schemeClr val="lt1"/>
-          </a:fontRef>
-        </p:style>
-        <p:txBody>
-          <a:bodyPr rtlCol="0" anchor="ctr"/>
-          <a:lstStyle/>
-          <a:p>
-            <a:pPr algn="ctr"/>
+        </p:spPr>
+        <p:txBody>
+          <a:bodyPr wrap="none">
+            <a:spAutoFit/>
+          </a:bodyPr>
+          <a:lstStyle/>
+          <a:p>
+            <a:pPr>
+              <a:defRPr sz="1800">
+                <a:solidFill>
+                  <a:srgbClr val="A7F3D0"/>
+                </a:solidFill>
+                <a:latin typeface="Menlo"/>
+              </a:defRPr>
+            </a:pPr>
+            <a:r>
+              <a:t>test("pro user sees 20% discount", async ({ page, switchScenario }) =&gt; {</a:t>
+            </a:r>
+            <a:br/>
+            <a:r>
+              <a:t>  await switchScenario("default");</a:t>
+            </a:r>
+            <a:br/>
+            <a:r>
+              <a:t>  await page.goto("/products/1");</a:t>
+            </a:r>
+            <a:br/>
+            <a:r>
+              <a:t>  await expect(page.getByText("20% off")).toBeVisible();</a:t>
+            </a:r>
+            <a:br/>
+            <a:r>
+              <a:t>});</a:t>
+            </a:r>
           </a:p>
         </p:txBody>
       </p:sp>
@@ -3366,8 +3377,8 @@
         </p:nvSpPr>
         <p:spPr>
           <a:xfrm>
-            <a:off x="1097280" y="1554480"/>
-            <a:ext cx="9997135" cy="2560320"/>
+            <a:off x="457200" y="4572000"/>
+            <a:ext cx="11274552" cy="914400"/>
           </a:xfrm>
           <a:prstGeom prst="rect">
             <a:avLst/>
@@ -3375,49 +3386,20 @@
           <a:noFill/>
         </p:spPr>
         <p:txBody>
-          <a:bodyPr wrap="none">
-            <a:spAutoFit/>
-          </a:bodyPr>
-          <a:lstStyle/>
-          <a:p>
-            <a:pPr>
-              <a:defRPr sz="1400">
-                <a:solidFill>
-                  <a:srgbClr val="E4E4E7"/>
-                </a:solidFill>
-                <a:latin typeface="Menlo"/>
-              </a:defRPr>
-            </a:pPr>
-            <a:r>
-              <a:t>test('happy path checkout', async ({ page, switchScenario }) =&gt; {</a:t>
-            </a:r>
-            <a:br/>
-            <a:r>
-              <a:t>  await switchScenario('default');</a:t>
-            </a:r>
-            <a:br/>
-            <a:r>
-              <a:t>  await page.goto('/products');</a:t>
-            </a:r>
-            <a:br/>
-            <a:r>
-              <a:t>  await page.click('[data-testid="add-to-cart"]');</a:t>
-            </a:r>
-            <a:br/>
-            <a:r>
-              <a:t>  await page.click('[data-testid="checkout"]');</a:t>
-            </a:r>
-            <a:br/>
-            <a:r>
-              <a:t>  await page.click('[data-testid="pay"]');</a:t>
-            </a:r>
-            <a:br/>
-            <a:r>
-              <a:t>  await expect(page.getByText('Order confirmed')).toBeVisible();</a:t>
-            </a:r>
-            <a:br/>
-            <a:r>
-              <a:t>});</a:t>
+          <a:bodyPr wrap="square">
+            <a:spAutoFit/>
+          </a:bodyPr>
+          <a:lstStyle/>
+          <a:p>
+            <a:pPr algn="ctr">
+              <a:defRPr sz="2800">
+                <a:solidFill>
+                  <a:srgbClr val="22C55E"/>
+                </a:solidFill>
+              </a:defRPr>
+            </a:pPr>
+            <a:r>
+              <a:t>User Service returns { tier: 'pro' }</a:t>
             </a:r>
           </a:p>
         </p:txBody>
@@ -3430,8 +3412,8 @@
         </p:nvSpPr>
         <p:spPr>
           <a:xfrm>
-            <a:off x="457200" y="4754880"/>
-            <a:ext cx="11277295" cy="1371600"/>
+            <a:off x="457200" y="5303520"/>
+            <a:ext cx="11274552" cy="914400"/>
           </a:xfrm>
           <a:prstGeom prst="rect">
             <a:avLst/>
@@ -3445,14 +3427,14 @@
           <a:lstStyle/>
           <a:p>
             <a:pPr algn="ctr">
-              <a:defRPr sz="4800" b="1">
-                <a:solidFill>
-                  <a:srgbClr val="22C55E"/>
-                </a:solidFill>
-              </a:defRPr>
-            </a:pPr>
-            <a:r>
-              <a:t>PASS</a:t>
+              <a:defRPr sz="2800">
+                <a:solidFill>
+                  <a:srgbClr val="FFFFFF"/>
+                </a:solidFill>
+              </a:defRPr>
+            </a:pPr>
+            <a:r>
+              <a:t>Discount applied.</a:t>
             </a:r>
           </a:p>
         </p:txBody>
@@ -3527,7 +3509,7 @@
         <p:spPr>
           <a:xfrm>
             <a:off x="457200" y="457200"/>
-            <a:ext cx="11277295" cy="1371600"/>
+            <a:ext cx="11274552" cy="914400"/>
           </a:xfrm>
           <a:prstGeom prst="rect">
             <a:avLst/>
@@ -3548,51 +3530,62 @@
               </a:defRPr>
             </a:pPr>
             <a:r>
-              <a:t>Test 2: Payment Declined</a:t>
-            </a:r>
-          </a:p>
-        </p:txBody>
-      </p:sp>
-      <p:sp>
-        <p:nvSpPr>
-          <p:cNvPr id="4" name="Rounded Rectangle 3"/>
-          <p:cNvSpPr/>
-          <p:nvPr/>
-        </p:nvSpPr>
-        <p:spPr>
-          <a:xfrm>
-            <a:off x="914400" y="1371600"/>
-            <a:ext cx="10362895" cy="2560320"/>
-          </a:xfrm>
-          <a:prstGeom prst="roundRect">
+              <a:t>Test 2: Free User Full Price</a:t>
+            </a:r>
+          </a:p>
+        </p:txBody>
+      </p:sp>
+      <p:sp>
+        <p:nvSpPr>
+          <p:cNvPr id="4" name="TextBox 3"/>
+          <p:cNvSpPr txBox="1"/>
+          <p:nvPr/>
+        </p:nvSpPr>
+        <p:spPr>
+          <a:xfrm>
+            <a:off x="914400" y="1645920"/>
+            <a:ext cx="10058400" cy="2286000"/>
+          </a:xfrm>
+          <a:prstGeom prst="rect">
             <a:avLst/>
           </a:prstGeom>
           <a:solidFill>
             <a:srgbClr val="27272A"/>
           </a:solidFill>
-          <a:ln>
-            <a:noFill/>
-          </a:ln>
-        </p:spPr>
-        <p:style>
-          <a:lnRef idx="1">
-            <a:schemeClr val="accent1"/>
-          </a:lnRef>
-          <a:fillRef idx="3">
-            <a:schemeClr val="accent1"/>
-          </a:fillRef>
-          <a:effectRef idx="2">
-            <a:schemeClr val="accent1"/>
-          </a:effectRef>
-          <a:fontRef idx="minor">
-            <a:schemeClr val="lt1"/>
-          </a:fontRef>
-        </p:style>
-        <p:txBody>
-          <a:bodyPr rtlCol="0" anchor="ctr"/>
-          <a:lstStyle/>
-          <a:p>
-            <a:pPr algn="ctr"/>
+        </p:spPr>
+        <p:txBody>
+          <a:bodyPr wrap="none">
+            <a:spAutoFit/>
+          </a:bodyPr>
+          <a:lstStyle/>
+          <a:p>
+            <a:pPr>
+              <a:defRPr sz="1800">
+                <a:solidFill>
+                  <a:srgbClr val="A7F3D0"/>
+                </a:solidFill>
+                <a:latin typeface="Menlo"/>
+              </a:defRPr>
+            </a:pPr>
+            <a:r>
+              <a:t>test("free user sees full price", async ({ page, switchScenario }) =&gt; {</a:t>
+            </a:r>
+            <a:br/>
+            <a:r>
+              <a:t>  await switchScenario("freeUser");</a:t>
+            </a:r>
+            <a:br/>
+            <a:r>
+              <a:t>  await page.goto("/products/1");</a:t>
+            </a:r>
+            <a:br/>
+            <a:r>
+              <a:t>  await expect(page.getByText("$99.99")).toBeVisible();</a:t>
+            </a:r>
+            <a:br/>
+            <a:r>
+              <a:t>});</a:t>
+            </a:r>
           </a:p>
         </p:txBody>
       </p:sp>
@@ -3604,99 +3597,8 @@
         </p:nvSpPr>
         <p:spPr>
           <a:xfrm>
-            <a:off x="1097280" y="1554480"/>
-            <a:ext cx="9997135" cy="2194560"/>
-          </a:xfrm>
-          <a:prstGeom prst="rect">
-            <a:avLst/>
-          </a:prstGeom>
-          <a:noFill/>
-        </p:spPr>
-        <p:txBody>
-          <a:bodyPr wrap="none">
-            <a:spAutoFit/>
-          </a:bodyPr>
-          <a:lstStyle/>
-          <a:p>
-            <a:pPr>
-              <a:defRPr sz="1400">
-                <a:solidFill>
-                  <a:srgbClr val="E4E4E7"/>
-                </a:solidFill>
-                <a:latin typeface="Menlo"/>
-              </a:defRPr>
-            </a:pPr>
-            <a:r>
-              <a:t>test('payment declined shows error', async ({ page, switchScenario }) =&gt; {</a:t>
-            </a:r>
-            <a:br/>
-            <a:r>
-              <a:t>  await switchScenario('paymentDeclined');</a:t>
-            </a:r>
-            <a:br/>
-            <a:r>
-              <a:t>  await page.goto('/checkout');</a:t>
-            </a:r>
-            <a:br/>
-            <a:r>
-              <a:t>  await page.click('[data-testid="pay"]');</a:t>
-            </a:r>
-            <a:br/>
-            <a:r>
-              <a:t>  await expect(page.getByText('Card declined')).toBeVisible();</a:t>
-            </a:r>
-            <a:br/>
-            <a:r>
-              <a:t>});</a:t>
-            </a:r>
-          </a:p>
-        </p:txBody>
-      </p:sp>
-      <p:sp>
-        <p:nvSpPr>
-          <p:cNvPr id="6" name="TextBox 5"/>
-          <p:cNvSpPr txBox="1"/>
-          <p:nvPr/>
-        </p:nvSpPr>
-        <p:spPr>
-          <a:xfrm>
-            <a:off x="457200" y="4389120"/>
-            <a:ext cx="11277295" cy="1371600"/>
-          </a:xfrm>
-          <a:prstGeom prst="rect">
-            <a:avLst/>
-          </a:prstGeom>
-          <a:noFill/>
-        </p:spPr>
-        <p:txBody>
-          <a:bodyPr wrap="square">
-            <a:spAutoFit/>
-          </a:bodyPr>
-          <a:lstStyle/>
-          <a:p>
-            <a:pPr algn="ctr">
-              <a:defRPr sz="4800" b="1">
-                <a:solidFill>
-                  <a:srgbClr val="22C55E"/>
-                </a:solidFill>
-              </a:defRPr>
-            </a:pPr>
-            <a:r>
-              <a:t>PASS</a:t>
-            </a:r>
-          </a:p>
-        </p:txBody>
-      </p:sp>
-      <p:sp>
-        <p:nvSpPr>
-          <p:cNvPr id="7" name="TextBox 6"/>
-          <p:cNvSpPr txBox="1"/>
-          <p:nvPr/>
-        </p:nvSpPr>
-        <p:spPr>
-          <a:xfrm>
-            <a:off x="914400" y="5303520"/>
-            <a:ext cx="10362895" cy="914400"/>
+            <a:off x="457200" y="4572000"/>
+            <a:ext cx="11274552" cy="914400"/>
           </a:xfrm>
           <a:prstGeom prst="rect">
             <a:avLst/>
@@ -3712,12 +3614,47 @@
             <a:pPr algn="ctr">
               <a:defRPr sz="2800">
                 <a:solidFill>
+                  <a:srgbClr val="22C55E"/>
+                </a:solidFill>
+              </a:defRPr>
+            </a:pPr>
+            <a:r>
+              <a:t>User Service returns { tier: 'free' }</a:t>
+            </a:r>
+          </a:p>
+        </p:txBody>
+      </p:sp>
+      <p:sp>
+        <p:nvSpPr>
+          <p:cNvPr id="6" name="TextBox 5"/>
+          <p:cNvSpPr txBox="1"/>
+          <p:nvPr/>
+        </p:nvSpPr>
+        <p:spPr>
+          <a:xfrm>
+            <a:off x="457200" y="5303520"/>
+            <a:ext cx="11274552" cy="914400"/>
+          </a:xfrm>
+          <a:prstGeom prst="rect">
+            <a:avLst/>
+          </a:prstGeom>
+          <a:noFill/>
+        </p:spPr>
+        <p:txBody>
+          <a:bodyPr wrap="square">
+            <a:spAutoFit/>
+          </a:bodyPr>
+          <a:lstStyle/>
+          <a:p>
+            <a:pPr algn="ctr">
+              <a:defRPr sz="2800">
+                <a:solidFill>
                   <a:srgbClr val="F59E0B"/>
                 </a:solidFill>
               </a:defRPr>
             </a:pPr>
             <a:r>
-              <a:t>Didn't change anything in Stripe.</a:t>
+              <a:t>No test account needed. Just a different response.</a:t>
             </a:r>
           </a:p>
         </p:txBody>
@@ -3792,7 +3729,7 @@
         <p:spPr>
           <a:xfrm>
             <a:off x="457200" y="457200"/>
-            <a:ext cx="11277295" cy="1371600"/>
+            <a:ext cx="11274552" cy="914400"/>
           </a:xfrm>
           <a:prstGeom prst="rect">
             <a:avLst/>
@@ -3820,44 +3757,55 @@
       </p:sp>
       <p:sp>
         <p:nvSpPr>
-          <p:cNvPr id="4" name="Rounded Rectangle 3"/>
-          <p:cNvSpPr/>
-          <p:nvPr/>
-        </p:nvSpPr>
-        <p:spPr>
-          <a:xfrm>
-            <a:off x="914400" y="1371600"/>
-            <a:ext cx="10362895" cy="2194560"/>
-          </a:xfrm>
-          <a:prstGeom prst="roundRect">
+          <p:cNvPr id="4" name="TextBox 3"/>
+          <p:cNvSpPr txBox="1"/>
+          <p:nvPr/>
+        </p:nvSpPr>
+        <p:spPr>
+          <a:xfrm>
+            <a:off x="914400" y="1645920"/>
+            <a:ext cx="10058400" cy="2286000"/>
+          </a:xfrm>
+          <a:prstGeom prst="rect">
             <a:avLst/>
           </a:prstGeom>
           <a:solidFill>
             <a:srgbClr val="27272A"/>
           </a:solidFill>
-          <a:ln>
-            <a:noFill/>
-          </a:ln>
-        </p:spPr>
-        <p:style>
-          <a:lnRef idx="1">
-            <a:schemeClr val="accent1"/>
-          </a:lnRef>
-          <a:fillRef idx="3">
-            <a:schemeClr val="accent1"/>
-          </a:fillRef>
-          <a:effectRef idx="2">
-            <a:schemeClr val="accent1"/>
-          </a:effectRef>
-          <a:fontRef idx="minor">
-            <a:schemeClr val="lt1"/>
-          </a:fontRef>
-        </p:style>
-        <p:txBody>
-          <a:bodyPr rtlCol="0" anchor="ctr"/>
-          <a:lstStyle/>
-          <a:p>
-            <a:pPr algn="ctr"/>
+        </p:spPr>
+        <p:txBody>
+          <a:bodyPr wrap="none">
+            <a:spAutoFit/>
+          </a:bodyPr>
+          <a:lstStyle/>
+          <a:p>
+            <a:pPr>
+              <a:defRPr sz="1800">
+                <a:solidFill>
+                  <a:srgbClr val="A7F3D0"/>
+                </a:solidFill>
+                <a:latin typeface="Menlo"/>
+              </a:defRPr>
+            </a:pPr>
+            <a:r>
+              <a:t>test("offer ended shows sold out", async ({ page, switchScenario }) =&gt; {</a:t>
+            </a:r>
+            <a:br/>
+            <a:r>
+              <a:t>  await switchScenario("offerEnded");</a:t>
+            </a:r>
+            <a:br/>
+            <a:r>
+              <a:t>  await page.goto("/products/1");</a:t>
+            </a:r>
+            <a:br/>
+            <a:r>
+              <a:t>  await expect(page.getByText("Sold Out")).toBeVisible();</a:t>
+            </a:r>
+            <a:br/>
+            <a:r>
+              <a:t>});</a:t>
+            </a:r>
           </a:p>
         </p:txBody>
       </p:sp>
@@ -3869,95 +3817,8 @@
         </p:nvSpPr>
         <p:spPr>
           <a:xfrm>
-            <a:off x="1097280" y="1554480"/>
-            <a:ext cx="9997135" cy="1828800"/>
-          </a:xfrm>
-          <a:prstGeom prst="rect">
-            <a:avLst/>
-          </a:prstGeom>
-          <a:noFill/>
-        </p:spPr>
-        <p:txBody>
-          <a:bodyPr wrap="none">
-            <a:spAutoFit/>
-          </a:bodyPr>
-          <a:lstStyle/>
-          <a:p>
-            <a:pPr>
-              <a:defRPr sz="1400">
-                <a:solidFill>
-                  <a:srgbClr val="E4E4E7"/>
-                </a:solidFill>
-                <a:latin typeface="Menlo"/>
-              </a:defRPr>
-            </a:pPr>
-            <a:r>
-              <a:t>test('offer ended prevents purchase', async ({ page, switchScenario }) =&gt; {</a:t>
-            </a:r>
-            <a:br/>
-            <a:r>
-              <a:t>  await switchScenario('offerEnded');</a:t>
-            </a:r>
-            <a:br/>
-            <a:r>
-              <a:t>  await page.goto('/products');</a:t>
-            </a:r>
-            <a:br/>
-            <a:r>
-              <a:t>  await expect(page.getByText('Offer Ended')).toBeVisible();</a:t>
-            </a:r>
-            <a:br/>
-            <a:r>
-              <a:t>});</a:t>
-            </a:r>
-          </a:p>
-        </p:txBody>
-      </p:sp>
-      <p:sp>
-        <p:nvSpPr>
-          <p:cNvPr id="6" name="TextBox 5"/>
-          <p:cNvSpPr txBox="1"/>
-          <p:nvPr/>
-        </p:nvSpPr>
-        <p:spPr>
-          <a:xfrm>
-            <a:off x="457200" y="4023360"/>
-            <a:ext cx="11277295" cy="1371600"/>
-          </a:xfrm>
-          <a:prstGeom prst="rect">
-            <a:avLst/>
-          </a:prstGeom>
-          <a:noFill/>
-        </p:spPr>
-        <p:txBody>
-          <a:bodyPr wrap="square">
-            <a:spAutoFit/>
-          </a:bodyPr>
-          <a:lstStyle/>
-          <a:p>
-            <a:pPr algn="ctr">
-              <a:defRPr sz="4800" b="1">
-                <a:solidFill>
-                  <a:srgbClr val="22C55E"/>
-                </a:solidFill>
-              </a:defRPr>
-            </a:pPr>
-            <a:r>
-              <a:t>PASS</a:t>
-            </a:r>
-          </a:p>
-        </p:txBody>
-      </p:sp>
-      <p:sp>
-        <p:nvSpPr>
-          <p:cNvPr id="7" name="TextBox 6"/>
-          <p:cNvSpPr txBox="1"/>
-          <p:nvPr/>
-        </p:nvSpPr>
-        <p:spPr>
-          <a:xfrm>
-            <a:off x="914400" y="4937760"/>
-            <a:ext cx="10362895" cy="914400"/>
+            <a:off x="457200" y="4572000"/>
+            <a:ext cx="11274552" cy="914400"/>
           </a:xfrm>
           <a:prstGeom prst="rect">
             <a:avLst/>
@@ -3973,12 +3834,47 @@
             <a:pPr algn="ctr">
               <a:defRPr sz="2800">
                 <a:solidFill>
+                  <a:srgbClr val="22C55E"/>
+                </a:solidFill>
+              </a:defRPr>
+            </a:pPr>
+            <a:r>
+              <a:t>Inventory Service returns { quantity: 0 }</a:t>
+            </a:r>
+          </a:p>
+        </p:txBody>
+      </p:sp>
+      <p:sp>
+        <p:nvSpPr>
+          <p:cNvPr id="6" name="TextBox 5"/>
+          <p:cNvSpPr txBox="1"/>
+          <p:nvPr/>
+        </p:nvSpPr>
+        <p:spPr>
+          <a:xfrm>
+            <a:off x="457200" y="5303520"/>
+            <a:ext cx="11274552" cy="914400"/>
+          </a:xfrm>
+          <a:prstGeom prst="rect">
+            <a:avLst/>
+          </a:prstGeom>
+          <a:noFill/>
+        </p:spPr>
+        <p:txBody>
+          <a:bodyPr wrap="square">
+            <a:spAutoFit/>
+          </a:bodyPr>
+          <a:lstStyle/>
+          <a:p>
+            <a:pPr algn="ctr">
+              <a:defRPr sz="2800">
+                <a:solidFill>
                   <a:srgbClr val="F59E0B"/>
                 </a:solidFill>
               </a:defRPr>
             </a:pPr>
             <a:r>
-              <a:t>Didn't edit db.json.</a:t>
+              <a:t>No database editing. Just a different response.</a:t>
             </a:r>
           </a:p>
         </p:txBody>
@@ -4052,8 +3948,8 @@
         </p:nvSpPr>
         <p:spPr>
           <a:xfrm>
-            <a:off x="457200" y="1371600"/>
-            <a:ext cx="11277295" cy="1371600"/>
+            <a:off x="457200" y="457200"/>
+            <a:ext cx="11274552" cy="914400"/>
           </a:xfrm>
           <a:prstGeom prst="rect">
             <a:avLst/>
@@ -4074,51 +3970,62 @@
               </a:defRPr>
             </a:pPr>
             <a:r>
-              <a:t>Inventory Service Terminal:</a:t>
-            </a:r>
-          </a:p>
-        </p:txBody>
-      </p:sp>
-      <p:sp>
-        <p:nvSpPr>
-          <p:cNvPr id="4" name="Rounded Rectangle 3"/>
-          <p:cNvSpPr/>
-          <p:nvPr/>
-        </p:nvSpPr>
-        <p:spPr>
-          <a:xfrm>
-            <a:off x="2743200" y="2560320"/>
-            <a:ext cx="6705295" cy="2286000"/>
-          </a:xfrm>
-          <a:prstGeom prst="roundRect">
+              <a:t>Test 4: Shipping Service Down</a:t>
+            </a:r>
+          </a:p>
+        </p:txBody>
+      </p:sp>
+      <p:sp>
+        <p:nvSpPr>
+          <p:cNvPr id="4" name="TextBox 3"/>
+          <p:cNvSpPr txBox="1"/>
+          <p:nvPr/>
+        </p:nvSpPr>
+        <p:spPr>
+          <a:xfrm>
+            <a:off x="914400" y="1645920"/>
+            <a:ext cx="10058400" cy="2286000"/>
+          </a:xfrm>
+          <a:prstGeom prst="rect">
             <a:avLst/>
           </a:prstGeom>
           <a:solidFill>
-            <a:srgbClr val="166534"/>
+            <a:srgbClr val="27272A"/>
           </a:solidFill>
-          <a:ln>
-            <a:noFill/>
-          </a:ln>
-        </p:spPr>
-        <p:style>
-          <a:lnRef idx="1">
-            <a:schemeClr val="accent1"/>
-          </a:lnRef>
-          <a:fillRef idx="3">
-            <a:schemeClr val="accent1"/>
-          </a:fillRef>
-          <a:effectRef idx="2">
-            <a:schemeClr val="accent1"/>
-          </a:effectRef>
-          <a:fontRef idx="minor">
-            <a:schemeClr val="lt1"/>
-          </a:fontRef>
-        </p:style>
-        <p:txBody>
-          <a:bodyPr rtlCol="0" anchor="ctr"/>
-          <a:lstStyle/>
-          <a:p>
-            <a:pPr algn="ctr"/>
+        </p:spPr>
+        <p:txBody>
+          <a:bodyPr wrap="none">
+            <a:spAutoFit/>
+          </a:bodyPr>
+          <a:lstStyle/>
+          <a:p>
+            <a:pPr>
+              <a:defRPr sz="1800">
+                <a:solidFill>
+                  <a:srgbClr val="A7F3D0"/>
+                </a:solidFill>
+                <a:latin typeface="Menlo"/>
+              </a:defRPr>
+            </a:pPr>
+            <a:r>
+              <a:t>test("handles shipping errors gracefully", async ({ page, switchScenario }) =&gt; {</a:t>
+            </a:r>
+            <a:br/>
+            <a:r>
+              <a:t>  await switchScenario("shippingServiceDown");</a:t>
+            </a:r>
+            <a:br/>
+            <a:r>
+              <a:t>  await page.goto("/checkout");</a:t>
+            </a:r>
+            <a:br/>
+            <a:r>
+              <a:t>  await expect(page.getByText("Unable to load shipping")).toBeVisible();</a:t>
+            </a:r>
+            <a:br/>
+            <a:r>
+              <a:t>});</a:t>
+            </a:r>
           </a:p>
         </p:txBody>
       </p:sp>
@@ -4130,8 +4037,8 @@
         </p:nvSpPr>
         <p:spPr>
           <a:xfrm>
-            <a:off x="2926080" y="2926080"/>
-            <a:ext cx="6339535" cy="1554480"/>
+            <a:off x="457200" y="4572000"/>
+            <a:ext cx="11274552" cy="914400"/>
           </a:xfrm>
           <a:prstGeom prst="rect">
             <a:avLst/>
@@ -4139,20 +4046,20 @@
           <a:noFill/>
         </p:spPr>
         <p:txBody>
-          <a:bodyPr wrap="none">
+          <a:bodyPr wrap="square">
             <a:spAutoFit/>
           </a:bodyPr>
           <a:lstStyle/>
           <a:p>
             <a:pPr algn="ctr">
-              <a:defRPr sz="7200" b="1">
-                <a:solidFill>
-                  <a:srgbClr val="22C55E"/>
-                </a:solidFill>
-              </a:defRPr>
-            </a:pPr>
-            <a:r>
-              <a:t>0 Requests</a:t>
+              <a:defRPr sz="2800">
+                <a:solidFill>
+                  <a:srgbClr val="EF4444"/>
+                </a:solidFill>
+              </a:defRPr>
+            </a:pPr>
+            <a:r>
+              <a:t>Shipping Service returns 500 error</a:t>
             </a:r>
           </a:p>
         </p:txBody>
@@ -4165,8 +4072,8 @@
         </p:nvSpPr>
         <p:spPr>
           <a:xfrm>
-            <a:off x="914400" y="5303520"/>
-            <a:ext cx="10362895" cy="914400"/>
+            <a:off x="457200" y="5303520"/>
+            <a:ext cx="11274552" cy="914400"/>
           </a:xfrm>
           <a:prstGeom prst="rect">
             <a:avLst/>
@@ -4180,14 +4087,14 @@
           <a:lstStyle/>
           <a:p>
             <a:pPr algn="ctr">
-              <a:defRPr sz="3200">
+              <a:defRPr sz="2800">
                 <a:solidFill>
                   <a:srgbClr val="F59E0B"/>
                 </a:solidFill>
               </a:defRPr>
             </a:pPr>
             <a:r>
-              <a:t>Scenarist intercepted everything.</a:t>
+              <a:t>Test your error handling without breaking anything.</a:t>
             </a:r>
           </a:p>
         </p:txBody>
@@ -4261,8 +4168,8 @@
         </p:nvSpPr>
         <p:spPr>
           <a:xfrm>
-            <a:off x="457200" y="1828800"/>
-            <a:ext cx="11277295" cy="1371600"/>
+            <a:off x="457200" y="1371600"/>
+            <a:ext cx="11274552" cy="914400"/>
           </a:xfrm>
           <a:prstGeom prst="rect">
             <a:avLst/>
@@ -4276,14 +4183,14 @@
           <a:lstStyle/>
           <a:p>
             <a:pPr algn="ctr">
-              <a:defRPr sz="4400" b="1">
+              <a:defRPr sz="4000" b="1">
                 <a:solidFill>
                   <a:srgbClr val="FFFFFF"/>
                 </a:solidFill>
               </a:defRPr>
             </a:pPr>
             <a:r>
-              <a:t>Three scenarios that were</a:t>
+              <a:t>Backend Services Terminal:</a:t>
             </a:r>
           </a:p>
         </p:txBody>
@@ -4296,8 +4203,8 @@
         </p:nvSpPr>
         <p:spPr>
           <a:xfrm>
-            <a:off x="457200" y="2743200"/>
-            <a:ext cx="11277295" cy="1371600"/>
+            <a:off x="3657600" y="2286000"/>
+            <a:ext cx="4572000" cy="1828800"/>
           </a:xfrm>
           <a:prstGeom prst="rect">
             <a:avLst/>
@@ -4305,34 +4212,69 @@
           <a:noFill/>
         </p:spPr>
         <p:txBody>
+          <a:bodyPr wrap="none">
+            <a:spAutoFit/>
+          </a:bodyPr>
+          <a:lstStyle/>
+          <a:p>
+            <a:pPr algn="ctr">
+              <a:defRPr sz="7200" b="1">
+                <a:solidFill>
+                  <a:srgbClr val="F59E0B"/>
+                </a:solidFill>
+              </a:defRPr>
+            </a:pPr>
+            <a:r>
+              <a:t>0 Requests</a:t>
+            </a:r>
+          </a:p>
+        </p:txBody>
+      </p:sp>
+      <p:sp>
+        <p:nvSpPr>
+          <p:cNvPr id="5" name="TextBox 4"/>
+          <p:cNvSpPr txBox="1"/>
+          <p:nvPr/>
+        </p:nvSpPr>
+        <p:spPr>
+          <a:xfrm>
+            <a:off x="457200" y="4754880"/>
+            <a:ext cx="11274552" cy="914400"/>
+          </a:xfrm>
+          <a:prstGeom prst="rect">
+            <a:avLst/>
+          </a:prstGeom>
+          <a:noFill/>
+        </p:spPr>
+        <p:txBody>
           <a:bodyPr wrap="square">
             <a:spAutoFit/>
           </a:bodyPr>
           <a:lstStyle/>
           <a:p>
             <a:pPr algn="ctr">
-              <a:defRPr sz="5200" b="1">
-                <a:solidFill>
-                  <a:srgbClr val="EF4444"/>
-                </a:solidFill>
-              </a:defRPr>
-            </a:pPr>
-            <a:r>
-              <a:t>'hard' or 'impossible'</a:t>
-            </a:r>
-          </a:p>
-        </p:txBody>
-      </p:sp>
-      <p:sp>
-        <p:nvSpPr>
-          <p:cNvPr id="5" name="TextBox 4"/>
-          <p:cNvSpPr txBox="1"/>
-          <p:nvPr/>
-        </p:nvSpPr>
-        <p:spPr>
-          <a:xfrm>
-            <a:off x="457200" y="4114800"/>
-            <a:ext cx="11277295" cy="1371600"/>
+              <a:defRPr sz="3200">
+                <a:solidFill>
+                  <a:srgbClr val="22C55E"/>
+                </a:solidFill>
+              </a:defRPr>
+            </a:pPr>
+            <a:r>
+              <a:t>Scenarist intercepted everything.</a:t>
+            </a:r>
+          </a:p>
+        </p:txBody>
+      </p:sp>
+      <p:sp>
+        <p:nvSpPr>
+          <p:cNvPr id="6" name="TextBox 5"/>
+          <p:cNvSpPr txBox="1"/>
+          <p:nvPr/>
+        </p:nvSpPr>
+        <p:spPr>
+          <a:xfrm>
+            <a:off x="457200" y="5486400"/>
+            <a:ext cx="11274552" cy="914400"/>
           </a:xfrm>
           <a:prstGeom prst="rect">
             <a:avLst/>
@@ -4346,14 +4288,14 @@
           <a:lstStyle/>
           <a:p>
             <a:pPr algn="ctr">
-              <a:defRPr sz="5200" b="1">
-                <a:solidFill>
-                  <a:srgbClr val="22C55E"/>
-                </a:solidFill>
-              </a:defRPr>
-            </a:pPr>
-            <a:r>
-              <a:t>Now they're just... tests.</a:t>
+              <a:defRPr sz="2400">
+                <a:solidFill>
+                  <a:srgbClr val="FFFFFF"/>
+                </a:solidFill>
+              </a:defRPr>
+            </a:pPr>
+            <a:r>
+              <a:t>The real services are running, but we never hit them.</a:t>
             </a:r>
           </a:p>
         </p:txBody>
@@ -4427,8 +4369,8 @@
         </p:nvSpPr>
         <p:spPr>
           <a:xfrm>
-            <a:off x="457200" y="1828800"/>
-            <a:ext cx="11277295" cy="1371600"/>
+            <a:off x="457200" y="731520"/>
+            <a:ext cx="11274552" cy="914400"/>
           </a:xfrm>
           <a:prstGeom prst="rect">
             <a:avLst/>
@@ -4442,14 +4384,14 @@
           <a:lstStyle/>
           <a:p>
             <a:pPr algn="ctr">
-              <a:defRPr sz="4400" b="1">
-                <a:solidFill>
-                  <a:srgbClr val="A1A1AA"/>
-                </a:solidFill>
-              </a:defRPr>
-            </a:pPr>
-            <a:r>
-              <a:t>But wait...</a:t>
+              <a:defRPr sz="4800" b="1">
+                <a:solidFill>
+                  <a:srgbClr val="FFFFFF"/>
+                </a:solidFill>
+              </a:defRPr>
+            </a:pPr>
+            <a:r>
+              <a:t>Four Scenarios</a:t>
             </a:r>
           </a:p>
         </p:txBody>
@@ -4462,8 +4404,8 @@
         </p:nvSpPr>
         <p:spPr>
           <a:xfrm>
-            <a:off x="457200" y="3200400"/>
-            <a:ext cx="11277295" cy="1371600"/>
+            <a:off x="1828800" y="2011680"/>
+            <a:ext cx="9144000" cy="457200"/>
           </a:xfrm>
           <a:prstGeom prst="rect">
             <a:avLst/>
@@ -4471,55 +4413,160 @@
           <a:noFill/>
         </p:spPr>
         <p:txBody>
+          <a:bodyPr wrap="none">
+            <a:spAutoFit/>
+          </a:bodyPr>
+          <a:lstStyle/>
+          <a:p>
+            <a:pPr>
+              <a:defRPr sz="2400">
+                <a:solidFill>
+                  <a:srgbClr val="22C55E"/>
+                </a:solidFill>
+              </a:defRPr>
+            </a:pPr>
+            <a:r>
+              <a:t>1. Pro user discount (was: Annoying)</a:t>
+            </a:r>
+          </a:p>
+        </p:txBody>
+      </p:sp>
+      <p:sp>
+        <p:nvSpPr>
+          <p:cNvPr id="5" name="TextBox 4"/>
+          <p:cNvSpPr txBox="1"/>
+          <p:nvPr/>
+        </p:nvSpPr>
+        <p:spPr>
+          <a:xfrm>
+            <a:off x="1828800" y="2743200"/>
+            <a:ext cx="9144000" cy="457200"/>
+          </a:xfrm>
+          <a:prstGeom prst="rect">
+            <a:avLst/>
+          </a:prstGeom>
+          <a:noFill/>
+        </p:spPr>
+        <p:txBody>
+          <a:bodyPr wrap="none">
+            <a:spAutoFit/>
+          </a:bodyPr>
+          <a:lstStyle/>
+          <a:p>
+            <a:pPr>
+              <a:defRPr sz="2400">
+                <a:solidFill>
+                  <a:srgbClr val="22C55E"/>
+                </a:solidFill>
+              </a:defRPr>
+            </a:pPr>
+            <a:r>
+              <a:t>2. Free user full price (was: Annoying)</a:t>
+            </a:r>
+          </a:p>
+        </p:txBody>
+      </p:sp>
+      <p:sp>
+        <p:nvSpPr>
+          <p:cNvPr id="6" name="TextBox 5"/>
+          <p:cNvSpPr txBox="1"/>
+          <p:nvPr/>
+        </p:nvSpPr>
+        <p:spPr>
+          <a:xfrm>
+            <a:off x="1828800" y="3474720"/>
+            <a:ext cx="9144000" cy="457200"/>
+          </a:xfrm>
+          <a:prstGeom prst="rect">
+            <a:avLst/>
+          </a:prstGeom>
+          <a:noFill/>
+        </p:spPr>
+        <p:txBody>
+          <a:bodyPr wrap="none">
+            <a:spAutoFit/>
+          </a:bodyPr>
+          <a:lstStyle/>
+          <a:p>
+            <a:pPr>
+              <a:defRPr sz="2400">
+                <a:solidFill>
+                  <a:srgbClr val="22C55E"/>
+                </a:solidFill>
+              </a:defRPr>
+            </a:pPr>
+            <a:r>
+              <a:t>3. Offer ended (was: Hard)</a:t>
+            </a:r>
+          </a:p>
+        </p:txBody>
+      </p:sp>
+      <p:sp>
+        <p:nvSpPr>
+          <p:cNvPr id="7" name="TextBox 6"/>
+          <p:cNvSpPr txBox="1"/>
+          <p:nvPr/>
+        </p:nvSpPr>
+        <p:spPr>
+          <a:xfrm>
+            <a:off x="1828800" y="4206240"/>
+            <a:ext cx="9144000" cy="457200"/>
+          </a:xfrm>
+          <a:prstGeom prst="rect">
+            <a:avLst/>
+          </a:prstGeom>
+          <a:noFill/>
+        </p:spPr>
+        <p:txBody>
+          <a:bodyPr wrap="none">
+            <a:spAutoFit/>
+          </a:bodyPr>
+          <a:lstStyle/>
+          <a:p>
+            <a:pPr>
+              <a:defRPr sz="2400">
+                <a:solidFill>
+                  <a:srgbClr val="22C55E"/>
+                </a:solidFill>
+              </a:defRPr>
+            </a:pPr>
+            <a:r>
+              <a:t>4. Shipping service down (was: Hard)</a:t>
+            </a:r>
+          </a:p>
+        </p:txBody>
+      </p:sp>
+      <p:sp>
+        <p:nvSpPr>
+          <p:cNvPr id="8" name="TextBox 7"/>
+          <p:cNvSpPr txBox="1"/>
+          <p:nvPr/>
+        </p:nvSpPr>
+        <p:spPr>
+          <a:xfrm>
+            <a:off x="457200" y="5303520"/>
+            <a:ext cx="11274552" cy="914400"/>
+          </a:xfrm>
+          <a:prstGeom prst="rect">
+            <a:avLst/>
+          </a:prstGeom>
+          <a:noFill/>
+        </p:spPr>
+        <p:txBody>
           <a:bodyPr wrap="square">
             <a:spAutoFit/>
           </a:bodyPr>
           <a:lstStyle/>
           <a:p>
             <a:pPr algn="ctr">
-              <a:defRPr sz="5200" b="1">
-                <a:solidFill>
-                  <a:srgbClr val="FFFFFF"/>
-                </a:solidFill>
-              </a:defRPr>
-            </a:pPr>
-            <a:r>
-              <a:t>What about parallel tests?</a:t>
-            </a:r>
-          </a:p>
-        </p:txBody>
-      </p:sp>
-      <p:sp>
-        <p:nvSpPr>
-          <p:cNvPr id="5" name="TextBox 4"/>
-          <p:cNvSpPr txBox="1"/>
-          <p:nvPr/>
-        </p:nvSpPr>
-        <p:spPr>
-          <a:xfrm>
-            <a:off x="914400" y="4572000"/>
-            <a:ext cx="10362895" cy="914400"/>
-          </a:xfrm>
-          <a:prstGeom prst="rect">
-            <a:avLst/>
-          </a:prstGeom>
-          <a:noFill/>
-        </p:spPr>
-        <p:txBody>
-          <a:bodyPr wrap="square">
-            <a:spAutoFit/>
-          </a:bodyPr>
-          <a:lstStyle/>
-          <a:p>
-            <a:pPr algn="ctr">
-              <a:defRPr sz="2800">
-                <a:solidFill>
-                  <a:srgbClr val="A1A1AA"/>
-                </a:solidFill>
-              </a:defRPr>
-            </a:pPr>
-            <a:r>
-              <a:t>The table said that was impossible too.</a:t>
+              <a:defRPr sz="3600">
+                <a:solidFill>
+                  <a:srgbClr val="F59E0B"/>
+                </a:solidFill>
+              </a:defRPr>
+            </a:pPr>
+            <a:r>
+              <a:t>Now they're just... tests.</a:t>
             </a:r>
           </a:p>
         </p:txBody>
@@ -4594,7 +4641,7 @@
         <p:spPr>
           <a:xfrm>
             <a:off x="457200" y="457200"/>
-            <a:ext cx="11277295" cy="1371600"/>
+            <a:ext cx="11274552" cy="914400"/>
           </a:xfrm>
           <a:prstGeom prst="rect">
             <a:avLst/>
@@ -4610,12 +4657,12 @@
             <a:pPr algn="ctr">
               <a:defRPr sz="4400" b="1">
                 <a:solidFill>
-                  <a:srgbClr val="F59E0B"/>
-                </a:solidFill>
-              </a:defRPr>
-            </a:pPr>
-            <a:r>
-              <a:t>Test ID Isolation</a:t>
+                  <a:srgbClr val="FFFFFF"/>
+                </a:solidFill>
+              </a:defRPr>
+            </a:pPr>
+            <a:r>
+              <a:t>Parallel Test Isolation</a:t>
             </a:r>
           </a:p>
         </p:txBody>
@@ -4628,8 +4675,8 @@
         </p:nvSpPr>
         <p:spPr>
           <a:xfrm>
-            <a:off x="914400" y="1371600"/>
-            <a:ext cx="10362895" cy="914400"/>
+            <a:off x="457200" y="1188720"/>
+            <a:ext cx="11274552" cy="914400"/>
           </a:xfrm>
           <a:prstGeom prst="rect">
             <a:avLst/>
@@ -4643,14 +4690,14 @@
           <a:lstStyle/>
           <a:p>
             <a:pPr algn="ctr">
-              <a:defRPr sz="2800">
-                <a:solidFill>
-                  <a:srgbClr val="FFFFFF"/>
-                </a:solidFill>
-              </a:defRPr>
-            </a:pPr>
-            <a:r>
-              <a:t>Every request includes: x-scenarist-test-id</a:t>
+              <a:defRPr sz="2400">
+                <a:solidFill>
+                  <a:srgbClr val="A1A1AA"/>
+                </a:solidFill>
+              </a:defRPr>
+            </a:pPr>
+            <a:r>
+              <a:t>What about running 50 tests at once?</a:t>
             </a:r>
           </a:p>
         </p:txBody>
@@ -4663,14 +4710,14 @@
         </p:nvSpPr>
         <p:spPr>
           <a:xfrm>
-            <a:off x="1523390" y="2103120"/>
-            <a:ext cx="9144000" cy="822960"/>
+            <a:off x="914400" y="2011680"/>
+            <a:ext cx="2286000" cy="640080"/>
           </a:xfrm>
           <a:prstGeom prst="roundRect">
             <a:avLst/>
           </a:prstGeom>
           <a:solidFill>
-            <a:srgbClr val="27272A"/>
+            <a:srgbClr val="3B82F6"/>
           </a:solidFill>
           <a:ln>
             <a:noFill/>
@@ -4694,7 +4741,16 @@
           <a:bodyPr rtlCol="0" anchor="ctr"/>
           <a:lstStyle/>
           <a:p>
-            <a:pPr algn="ctr"/>
+            <a:pPr algn="ctr">
+              <a:defRPr sz="1400">
+                <a:solidFill>
+                  <a:srgbClr val="FFFFFF"/>
+                </a:solidFill>
+              </a:defRPr>
+            </a:pPr>
+            <a:r>
+              <a:t>Test A (abc123)</a:t>
+            </a:r>
           </a:p>
         </p:txBody>
       </p:sp>
@@ -4706,8 +4762,8 @@
         </p:nvSpPr>
         <p:spPr>
           <a:xfrm>
-            <a:off x="1797710" y="2286000"/>
-            <a:ext cx="8595360" cy="822960"/>
+            <a:off x="3291840" y="2011680"/>
+            <a:ext cx="9144000" cy="457200"/>
           </a:xfrm>
           <a:prstGeom prst="rect">
             <a:avLst/>
@@ -4721,34 +4777,139 @@
           <a:lstStyle/>
           <a:p>
             <a:pPr>
-              <a:defRPr sz="2200">
-                <a:solidFill>
-                  <a:srgbClr val="22C55E"/>
-                </a:solidFill>
-              </a:defRPr>
-            </a:pPr>
-            <a:r>
-              <a:t>Test A (test-id: abc123)  premiumUser  20% discount</a:t>
-            </a:r>
-          </a:p>
-        </p:txBody>
-      </p:sp>
-      <p:sp>
-        <p:nvSpPr>
-          <p:cNvPr id="7" name="Rounded Rectangle 6"/>
+              <a:defRPr sz="2400">
+                <a:solidFill>
+                  <a:srgbClr val="FFFFFF"/>
+                </a:solidFill>
+              </a:defRPr>
+            </a:pPr>
+            <a:r>
+              <a:t>→</a:t>
+            </a:r>
+          </a:p>
+        </p:txBody>
+      </p:sp>
+      <p:sp>
+        <p:nvSpPr>
+          <p:cNvPr id="7" name="TextBox 6"/>
+          <p:cNvSpPr txBox="1"/>
+          <p:nvPr/>
+        </p:nvSpPr>
+        <p:spPr>
+          <a:xfrm>
+            <a:off x="3840480" y="2011680"/>
+            <a:ext cx="9144000" cy="457200"/>
+          </a:xfrm>
+          <a:prstGeom prst="rect">
+            <a:avLst/>
+          </a:prstGeom>
+          <a:noFill/>
+        </p:spPr>
+        <p:txBody>
+          <a:bodyPr wrap="none">
+            <a:spAutoFit/>
+          </a:bodyPr>
+          <a:lstStyle/>
+          <a:p>
+            <a:pPr>
+              <a:defRPr sz="2400">
+                <a:solidFill>
+                  <a:srgbClr val="A1A1AA"/>
+                </a:solidFill>
+              </a:defRPr>
+            </a:pPr>
+            <a:r>
+              <a:t>proUser</a:t>
+            </a:r>
+          </a:p>
+        </p:txBody>
+      </p:sp>
+      <p:sp>
+        <p:nvSpPr>
+          <p:cNvPr id="8" name="TextBox 7"/>
+          <p:cNvSpPr txBox="1"/>
+          <p:nvPr/>
+        </p:nvSpPr>
+        <p:spPr>
+          <a:xfrm>
+            <a:off x="6217920" y="2011680"/>
+            <a:ext cx="9144000" cy="457200"/>
+          </a:xfrm>
+          <a:prstGeom prst="rect">
+            <a:avLst/>
+          </a:prstGeom>
+          <a:noFill/>
+        </p:spPr>
+        <p:txBody>
+          <a:bodyPr wrap="none">
+            <a:spAutoFit/>
+          </a:bodyPr>
+          <a:lstStyle/>
+          <a:p>
+            <a:pPr>
+              <a:defRPr sz="2400">
+                <a:solidFill>
+                  <a:srgbClr val="FFFFFF"/>
+                </a:solidFill>
+              </a:defRPr>
+            </a:pPr>
+            <a:r>
+              <a:t>→</a:t>
+            </a:r>
+          </a:p>
+        </p:txBody>
+      </p:sp>
+      <p:sp>
+        <p:nvSpPr>
+          <p:cNvPr id="9" name="TextBox 8"/>
+          <p:cNvSpPr txBox="1"/>
+          <p:nvPr/>
+        </p:nvSpPr>
+        <p:spPr>
+          <a:xfrm>
+            <a:off x="6766560" y="2011680"/>
+            <a:ext cx="9144000" cy="457200"/>
+          </a:xfrm>
+          <a:prstGeom prst="rect">
+            <a:avLst/>
+          </a:prstGeom>
+          <a:noFill/>
+        </p:spPr>
+        <p:txBody>
+          <a:bodyPr wrap="none">
+            <a:spAutoFit/>
+          </a:bodyPr>
+          <a:lstStyle/>
+          <a:p>
+            <a:pPr>
+              <a:defRPr sz="2400">
+                <a:solidFill>
+                  <a:srgbClr val="3B82F6"/>
+                </a:solidFill>
+              </a:defRPr>
+            </a:pPr>
+            <a:r>
+              <a:t>20% discount</a:t>
+            </a:r>
+          </a:p>
+        </p:txBody>
+      </p:sp>
+      <p:sp>
+        <p:nvSpPr>
+          <p:cNvPr id="10" name="Rounded Rectangle 9"/>
           <p:cNvSpPr/>
           <p:nvPr/>
         </p:nvSpPr>
         <p:spPr>
           <a:xfrm>
-            <a:off x="1523390" y="3108960"/>
-            <a:ext cx="9144000" cy="822960"/>
+            <a:off x="914400" y="2834640"/>
+            <a:ext cx="2286000" cy="640080"/>
           </a:xfrm>
           <a:prstGeom prst="roundRect">
             <a:avLst/>
           </a:prstGeom>
           <a:solidFill>
-            <a:srgbClr val="27272A"/>
+            <a:srgbClr val="22C55E"/>
           </a:solidFill>
           <a:ln>
             <a:noFill/>
@@ -4772,20 +4933,29 @@
           <a:bodyPr rtlCol="0" anchor="ctr"/>
           <a:lstStyle/>
           <a:p>
-            <a:pPr algn="ctr"/>
-          </a:p>
-        </p:txBody>
-      </p:sp>
-      <p:sp>
-        <p:nvSpPr>
-          <p:cNvPr id="8" name="TextBox 7"/>
-          <p:cNvSpPr txBox="1"/>
-          <p:nvPr/>
-        </p:nvSpPr>
-        <p:spPr>
-          <a:xfrm>
-            <a:off x="1797710" y="3291840"/>
-            <a:ext cx="8595360" cy="822960"/>
+            <a:pPr algn="ctr">
+              <a:defRPr sz="1400">
+                <a:solidFill>
+                  <a:srgbClr val="FFFFFF"/>
+                </a:solidFill>
+              </a:defRPr>
+            </a:pPr>
+            <a:r>
+              <a:t>Test B (def456)</a:t>
+            </a:r>
+          </a:p>
+        </p:txBody>
+      </p:sp>
+      <p:sp>
+        <p:nvSpPr>
+          <p:cNvPr id="11" name="TextBox 10"/>
+          <p:cNvSpPr txBox="1"/>
+          <p:nvPr/>
+        </p:nvSpPr>
+        <p:spPr>
+          <a:xfrm>
+            <a:off x="3291840" y="2834640"/>
+            <a:ext cx="9144000" cy="457200"/>
           </a:xfrm>
           <a:prstGeom prst="rect">
             <a:avLst/>
@@ -4799,34 +4969,139 @@
           <a:lstStyle/>
           <a:p>
             <a:pPr>
-              <a:defRPr sz="2200">
-                <a:solidFill>
-                  <a:srgbClr val="3B82F6"/>
-                </a:solidFill>
-              </a:defRPr>
-            </a:pPr>
-            <a:r>
-              <a:t>Test B (test-id: def456)  freeUser     Full price</a:t>
-            </a:r>
-          </a:p>
-        </p:txBody>
-      </p:sp>
-      <p:sp>
-        <p:nvSpPr>
-          <p:cNvPr id="9" name="Rounded Rectangle 8"/>
+              <a:defRPr sz="2400">
+                <a:solidFill>
+                  <a:srgbClr val="FFFFFF"/>
+                </a:solidFill>
+              </a:defRPr>
+            </a:pPr>
+            <a:r>
+              <a:t>→</a:t>
+            </a:r>
+          </a:p>
+        </p:txBody>
+      </p:sp>
+      <p:sp>
+        <p:nvSpPr>
+          <p:cNvPr id="12" name="TextBox 11"/>
+          <p:cNvSpPr txBox="1"/>
+          <p:nvPr/>
+        </p:nvSpPr>
+        <p:spPr>
+          <a:xfrm>
+            <a:off x="3840480" y="2834640"/>
+            <a:ext cx="9144000" cy="457200"/>
+          </a:xfrm>
+          <a:prstGeom prst="rect">
+            <a:avLst/>
+          </a:prstGeom>
+          <a:noFill/>
+        </p:spPr>
+        <p:txBody>
+          <a:bodyPr wrap="none">
+            <a:spAutoFit/>
+          </a:bodyPr>
+          <a:lstStyle/>
+          <a:p>
+            <a:pPr>
+              <a:defRPr sz="2400">
+                <a:solidFill>
+                  <a:srgbClr val="A1A1AA"/>
+                </a:solidFill>
+              </a:defRPr>
+            </a:pPr>
+            <a:r>
+              <a:t>freeUser</a:t>
+            </a:r>
+          </a:p>
+        </p:txBody>
+      </p:sp>
+      <p:sp>
+        <p:nvSpPr>
+          <p:cNvPr id="13" name="TextBox 12"/>
+          <p:cNvSpPr txBox="1"/>
+          <p:nvPr/>
+        </p:nvSpPr>
+        <p:spPr>
+          <a:xfrm>
+            <a:off x="6217920" y="2834640"/>
+            <a:ext cx="9144000" cy="457200"/>
+          </a:xfrm>
+          <a:prstGeom prst="rect">
+            <a:avLst/>
+          </a:prstGeom>
+          <a:noFill/>
+        </p:spPr>
+        <p:txBody>
+          <a:bodyPr wrap="none">
+            <a:spAutoFit/>
+          </a:bodyPr>
+          <a:lstStyle/>
+          <a:p>
+            <a:pPr>
+              <a:defRPr sz="2400">
+                <a:solidFill>
+                  <a:srgbClr val="FFFFFF"/>
+                </a:solidFill>
+              </a:defRPr>
+            </a:pPr>
+            <a:r>
+              <a:t>→</a:t>
+            </a:r>
+          </a:p>
+        </p:txBody>
+      </p:sp>
+      <p:sp>
+        <p:nvSpPr>
+          <p:cNvPr id="14" name="TextBox 13"/>
+          <p:cNvSpPr txBox="1"/>
+          <p:nvPr/>
+        </p:nvSpPr>
+        <p:spPr>
+          <a:xfrm>
+            <a:off x="6766560" y="2834640"/>
+            <a:ext cx="9144000" cy="457200"/>
+          </a:xfrm>
+          <a:prstGeom prst="rect">
+            <a:avLst/>
+          </a:prstGeom>
+          <a:noFill/>
+        </p:spPr>
+        <p:txBody>
+          <a:bodyPr wrap="none">
+            <a:spAutoFit/>
+          </a:bodyPr>
+          <a:lstStyle/>
+          <a:p>
+            <a:pPr>
+              <a:defRPr sz="2400">
+                <a:solidFill>
+                  <a:srgbClr val="22C55E"/>
+                </a:solidFill>
+              </a:defRPr>
+            </a:pPr>
+            <a:r>
+              <a:t>Full price</a:t>
+            </a:r>
+          </a:p>
+        </p:txBody>
+      </p:sp>
+      <p:sp>
+        <p:nvSpPr>
+          <p:cNvPr id="15" name="Rounded Rectangle 14"/>
           <p:cNvSpPr/>
           <p:nvPr/>
         </p:nvSpPr>
         <p:spPr>
           <a:xfrm>
-            <a:off x="1523390" y="4114800"/>
-            <a:ext cx="9144000" cy="822960"/>
+            <a:off x="914400" y="3657600"/>
+            <a:ext cx="2286000" cy="640080"/>
           </a:xfrm>
           <a:prstGeom prst="roundRect">
             <a:avLst/>
           </a:prstGeom>
           <a:solidFill>
-            <a:srgbClr val="27272A"/>
+            <a:srgbClr val="A855F7"/>
           </a:solidFill>
           <a:ln>
             <a:noFill/>
@@ -4850,20 +5125,29 @@
           <a:bodyPr rtlCol="0" anchor="ctr"/>
           <a:lstStyle/>
           <a:p>
-            <a:pPr algn="ctr"/>
-          </a:p>
-        </p:txBody>
-      </p:sp>
-      <p:sp>
-        <p:nvSpPr>
-          <p:cNvPr id="10" name="TextBox 9"/>
-          <p:cNvSpPr txBox="1"/>
-          <p:nvPr/>
-        </p:nvSpPr>
-        <p:spPr>
-          <a:xfrm>
-            <a:off x="1797710" y="4297680"/>
-            <a:ext cx="8595360" cy="822960"/>
+            <a:pPr algn="ctr">
+              <a:defRPr sz="1400">
+                <a:solidFill>
+                  <a:srgbClr val="FFFFFF"/>
+                </a:solidFill>
+              </a:defRPr>
+            </a:pPr>
+            <a:r>
+              <a:t>Test C (ghi789)</a:t>
+            </a:r>
+          </a:p>
+        </p:txBody>
+      </p:sp>
+      <p:sp>
+        <p:nvSpPr>
+          <p:cNvPr id="16" name="TextBox 15"/>
+          <p:cNvSpPr txBox="1"/>
+          <p:nvPr/>
+        </p:nvSpPr>
+        <p:spPr>
+          <a:xfrm>
+            <a:off x="3291840" y="3657600"/>
+            <a:ext cx="9144000" cy="457200"/>
           </a:xfrm>
           <a:prstGeom prst="rect">
             <a:avLst/>
@@ -4877,84 +5161,346 @@
           <a:lstStyle/>
           <a:p>
             <a:pPr>
-              <a:defRPr sz="2200">
+              <a:defRPr sz="2400">
+                <a:solidFill>
+                  <a:srgbClr val="FFFFFF"/>
+                </a:solidFill>
+              </a:defRPr>
+            </a:pPr>
+            <a:r>
+              <a:t>→</a:t>
+            </a:r>
+          </a:p>
+        </p:txBody>
+      </p:sp>
+      <p:sp>
+        <p:nvSpPr>
+          <p:cNvPr id="17" name="TextBox 16"/>
+          <p:cNvSpPr txBox="1"/>
+          <p:nvPr/>
+        </p:nvSpPr>
+        <p:spPr>
+          <a:xfrm>
+            <a:off x="3840480" y="3657600"/>
+            <a:ext cx="9144000" cy="457200"/>
+          </a:xfrm>
+          <a:prstGeom prst="rect">
+            <a:avLst/>
+          </a:prstGeom>
+          <a:noFill/>
+        </p:spPr>
+        <p:txBody>
+          <a:bodyPr wrap="none">
+            <a:spAutoFit/>
+          </a:bodyPr>
+          <a:lstStyle/>
+          <a:p>
+            <a:pPr>
+              <a:defRPr sz="2400">
+                <a:solidFill>
+                  <a:srgbClr val="A1A1AA"/>
+                </a:solidFill>
+              </a:defRPr>
+            </a:pPr>
+            <a:r>
+              <a:t>offerEnded</a:t>
+            </a:r>
+          </a:p>
+        </p:txBody>
+      </p:sp>
+      <p:sp>
+        <p:nvSpPr>
+          <p:cNvPr id="18" name="TextBox 17"/>
+          <p:cNvSpPr txBox="1"/>
+          <p:nvPr/>
+        </p:nvSpPr>
+        <p:spPr>
+          <a:xfrm>
+            <a:off x="6217920" y="3657600"/>
+            <a:ext cx="9144000" cy="457200"/>
+          </a:xfrm>
+          <a:prstGeom prst="rect">
+            <a:avLst/>
+          </a:prstGeom>
+          <a:noFill/>
+        </p:spPr>
+        <p:txBody>
+          <a:bodyPr wrap="none">
+            <a:spAutoFit/>
+          </a:bodyPr>
+          <a:lstStyle/>
+          <a:p>
+            <a:pPr>
+              <a:defRPr sz="2400">
+                <a:solidFill>
+                  <a:srgbClr val="FFFFFF"/>
+                </a:solidFill>
+              </a:defRPr>
+            </a:pPr>
+            <a:r>
+              <a:t>→</a:t>
+            </a:r>
+          </a:p>
+        </p:txBody>
+      </p:sp>
+      <p:sp>
+        <p:nvSpPr>
+          <p:cNvPr id="19" name="TextBox 18"/>
+          <p:cNvSpPr txBox="1"/>
+          <p:nvPr/>
+        </p:nvSpPr>
+        <p:spPr>
+          <a:xfrm>
+            <a:off x="6766560" y="3657600"/>
+            <a:ext cx="9144000" cy="457200"/>
+          </a:xfrm>
+          <a:prstGeom prst="rect">
+            <a:avLst/>
+          </a:prstGeom>
+          <a:noFill/>
+        </p:spPr>
+        <p:txBody>
+          <a:bodyPr wrap="none">
+            <a:spAutoFit/>
+          </a:bodyPr>
+          <a:lstStyle/>
+          <a:p>
+            <a:pPr>
+              <a:defRPr sz="2400">
+                <a:solidFill>
+                  <a:srgbClr val="A855F7"/>
+                </a:solidFill>
+              </a:defRPr>
+            </a:pPr>
+            <a:r>
+              <a:t>Sold Out</a:t>
+            </a:r>
+          </a:p>
+        </p:txBody>
+      </p:sp>
+      <p:sp>
+        <p:nvSpPr>
+          <p:cNvPr id="20" name="Rounded Rectangle 19"/>
+          <p:cNvSpPr/>
+          <p:nvPr/>
+        </p:nvSpPr>
+        <p:spPr>
+          <a:xfrm>
+            <a:off x="914400" y="4480560"/>
+            <a:ext cx="2286000" cy="640080"/>
+          </a:xfrm>
+          <a:prstGeom prst="roundRect">
+            <a:avLst/>
+          </a:prstGeom>
+          <a:solidFill>
+            <a:srgbClr val="EF4444"/>
+          </a:solidFill>
+          <a:ln>
+            <a:noFill/>
+          </a:ln>
+        </p:spPr>
+        <p:style>
+          <a:lnRef idx="1">
+            <a:schemeClr val="accent1"/>
+          </a:lnRef>
+          <a:fillRef idx="3">
+            <a:schemeClr val="accent1"/>
+          </a:fillRef>
+          <a:effectRef idx="2">
+            <a:schemeClr val="accent1"/>
+          </a:effectRef>
+          <a:fontRef idx="minor">
+            <a:schemeClr val="lt1"/>
+          </a:fontRef>
+        </p:style>
+        <p:txBody>
+          <a:bodyPr rtlCol="0" anchor="ctr"/>
+          <a:lstStyle/>
+          <a:p>
+            <a:pPr algn="ctr">
+              <a:defRPr sz="1400">
+                <a:solidFill>
+                  <a:srgbClr val="FFFFFF"/>
+                </a:solidFill>
+              </a:defRPr>
+            </a:pPr>
+            <a:r>
+              <a:t>Test D (jkl012)</a:t>
+            </a:r>
+          </a:p>
+        </p:txBody>
+      </p:sp>
+      <p:sp>
+        <p:nvSpPr>
+          <p:cNvPr id="21" name="TextBox 20"/>
+          <p:cNvSpPr txBox="1"/>
+          <p:nvPr/>
+        </p:nvSpPr>
+        <p:spPr>
+          <a:xfrm>
+            <a:off x="3291840" y="4480560"/>
+            <a:ext cx="9144000" cy="457200"/>
+          </a:xfrm>
+          <a:prstGeom prst="rect">
+            <a:avLst/>
+          </a:prstGeom>
+          <a:noFill/>
+        </p:spPr>
+        <p:txBody>
+          <a:bodyPr wrap="none">
+            <a:spAutoFit/>
+          </a:bodyPr>
+          <a:lstStyle/>
+          <a:p>
+            <a:pPr>
+              <a:defRPr sz="2400">
+                <a:solidFill>
+                  <a:srgbClr val="FFFFFF"/>
+                </a:solidFill>
+              </a:defRPr>
+            </a:pPr>
+            <a:r>
+              <a:t>→</a:t>
+            </a:r>
+          </a:p>
+        </p:txBody>
+      </p:sp>
+      <p:sp>
+        <p:nvSpPr>
+          <p:cNvPr id="22" name="TextBox 21"/>
+          <p:cNvSpPr txBox="1"/>
+          <p:nvPr/>
+        </p:nvSpPr>
+        <p:spPr>
+          <a:xfrm>
+            <a:off x="3840480" y="4480560"/>
+            <a:ext cx="9144000" cy="457200"/>
+          </a:xfrm>
+          <a:prstGeom prst="rect">
+            <a:avLst/>
+          </a:prstGeom>
+          <a:noFill/>
+        </p:spPr>
+        <p:txBody>
+          <a:bodyPr wrap="none">
+            <a:spAutoFit/>
+          </a:bodyPr>
+          <a:lstStyle/>
+          <a:p>
+            <a:pPr>
+              <a:defRPr sz="2400">
+                <a:solidFill>
+                  <a:srgbClr val="A1A1AA"/>
+                </a:solidFill>
+              </a:defRPr>
+            </a:pPr>
+            <a:r>
+              <a:t>shippingDown</a:t>
+            </a:r>
+          </a:p>
+        </p:txBody>
+      </p:sp>
+      <p:sp>
+        <p:nvSpPr>
+          <p:cNvPr id="23" name="TextBox 22"/>
+          <p:cNvSpPr txBox="1"/>
+          <p:nvPr/>
+        </p:nvSpPr>
+        <p:spPr>
+          <a:xfrm>
+            <a:off x="6217920" y="4480560"/>
+            <a:ext cx="9144000" cy="457200"/>
+          </a:xfrm>
+          <a:prstGeom prst="rect">
+            <a:avLst/>
+          </a:prstGeom>
+          <a:noFill/>
+        </p:spPr>
+        <p:txBody>
+          <a:bodyPr wrap="none">
+            <a:spAutoFit/>
+          </a:bodyPr>
+          <a:lstStyle/>
+          <a:p>
+            <a:pPr>
+              <a:defRPr sz="2400">
+                <a:solidFill>
+                  <a:srgbClr val="FFFFFF"/>
+                </a:solidFill>
+              </a:defRPr>
+            </a:pPr>
+            <a:r>
+              <a:t>→</a:t>
+            </a:r>
+          </a:p>
+        </p:txBody>
+      </p:sp>
+      <p:sp>
+        <p:nvSpPr>
+          <p:cNvPr id="24" name="TextBox 23"/>
+          <p:cNvSpPr txBox="1"/>
+          <p:nvPr/>
+        </p:nvSpPr>
+        <p:spPr>
+          <a:xfrm>
+            <a:off x="6766560" y="4480560"/>
+            <a:ext cx="9144000" cy="457200"/>
+          </a:xfrm>
+          <a:prstGeom prst="rect">
+            <a:avLst/>
+          </a:prstGeom>
+          <a:noFill/>
+        </p:spPr>
+        <p:txBody>
+          <a:bodyPr wrap="none">
+            <a:spAutoFit/>
+          </a:bodyPr>
+          <a:lstStyle/>
+          <a:p>
+            <a:pPr>
+              <a:defRPr sz="2400">
+                <a:solidFill>
+                  <a:srgbClr val="EF4444"/>
+                </a:solidFill>
+              </a:defRPr>
+            </a:pPr>
+            <a:r>
+              <a:t>Error handling</a:t>
+            </a:r>
+          </a:p>
+        </p:txBody>
+      </p:sp>
+      <p:sp>
+        <p:nvSpPr>
+          <p:cNvPr id="25" name="TextBox 24"/>
+          <p:cNvSpPr txBox="1"/>
+          <p:nvPr/>
+        </p:nvSpPr>
+        <p:spPr>
+          <a:xfrm>
+            <a:off x="457200" y="5669280"/>
+            <a:ext cx="11274552" cy="914400"/>
+          </a:xfrm>
+          <a:prstGeom prst="rect">
+            <a:avLst/>
+          </a:prstGeom>
+          <a:noFill/>
+        </p:spPr>
+        <p:txBody>
+          <a:bodyPr wrap="square">
+            <a:spAutoFit/>
+          </a:bodyPr>
+          <a:lstStyle/>
+          <a:p>
+            <a:pPr algn="ctr">
+              <a:defRPr sz="2800">
                 <a:solidFill>
                   <a:srgbClr val="F59E0B"/>
                 </a:solidFill>
               </a:defRPr>
             </a:pPr>
             <a:r>
-              <a:t>Test C (test-id: ghi789)  offerEnded   'Offer Ended'</a:t>
-            </a:r>
-          </a:p>
-        </p:txBody>
-      </p:sp>
-      <p:sp>
-        <p:nvSpPr>
-          <p:cNvPr id="11" name="TextBox 10"/>
-          <p:cNvSpPr txBox="1"/>
-          <p:nvPr/>
-        </p:nvSpPr>
-        <p:spPr>
-          <a:xfrm>
-            <a:off x="914400" y="5029200"/>
-            <a:ext cx="10362895" cy="914400"/>
-          </a:xfrm>
-          <a:prstGeom prst="rect">
-            <a:avLst/>
-          </a:prstGeom>
-          <a:noFill/>
-        </p:spPr>
-        <p:txBody>
-          <a:bodyPr wrap="square">
-            <a:spAutoFit/>
-          </a:bodyPr>
-          <a:lstStyle/>
-          <a:p>
-            <a:pPr algn="ctr">
-              <a:defRPr sz="3200">
-                <a:solidFill>
-                  <a:srgbClr val="FFFFFF"/>
-                </a:solidFill>
-              </a:defRPr>
-            </a:pPr>
-            <a:r>
-              <a:t>Same server. Same endpoint.</a:t>
-            </a:r>
-          </a:p>
-        </p:txBody>
-      </p:sp>
-      <p:sp>
-        <p:nvSpPr>
-          <p:cNvPr id="12" name="TextBox 11"/>
-          <p:cNvSpPr txBox="1"/>
-          <p:nvPr/>
-        </p:nvSpPr>
-        <p:spPr>
-          <a:xfrm>
-            <a:off x="457200" y="5669280"/>
-            <a:ext cx="11277295" cy="1371600"/>
-          </a:xfrm>
-          <a:prstGeom prst="rect">
-            <a:avLst/>
-          </a:prstGeom>
-          <a:noFill/>
-        </p:spPr>
-        <p:txBody>
-          <a:bodyPr wrap="square">
-            <a:spAutoFit/>
-          </a:bodyPr>
-          <a:lstStyle/>
-          <a:p>
-            <a:pPr algn="ctr">
-              <a:defRPr sz="3200" b="1">
-                <a:solidFill>
-                  <a:srgbClr val="22C55E"/>
-                </a:solidFill>
-              </a:defRPr>
-            </a:pPr>
-            <a:r>
-              <a:t>Different responses. Completely isolated.</a:t>
+              <a:t>Same server. Same endpoints. Different responses.</a:t>
             </a:r>
           </a:p>
         </p:txBody>
@@ -5028,8 +5574,8 @@
         </p:nvSpPr>
         <p:spPr>
           <a:xfrm>
-            <a:off x="457200" y="2286000"/>
-            <a:ext cx="11277295" cy="1371600"/>
+            <a:off x="457200" y="1828800"/>
+            <a:ext cx="11274552" cy="914400"/>
           </a:xfrm>
           <a:prstGeom prst="rect">
             <a:avLst/>
@@ -5043,28 +5589,63 @@
           <a:lstStyle/>
           <a:p>
             <a:pPr algn="ctr">
-              <a:defRPr sz="5200" b="1">
+              <a:defRPr sz="4800" b="1">
+                <a:solidFill>
+                  <a:srgbClr val="F59E0B"/>
+                </a:solidFill>
+              </a:defRPr>
+            </a:pPr>
+            <a:r>
+              <a:t>x-scenarist-test-id</a:t>
+            </a:r>
+          </a:p>
+        </p:txBody>
+      </p:sp>
+      <p:sp>
+        <p:nvSpPr>
+          <p:cNvPr id="4" name="TextBox 3"/>
+          <p:cNvSpPr txBox="1"/>
+          <p:nvPr/>
+        </p:nvSpPr>
+        <p:spPr>
+          <a:xfrm>
+            <a:off x="457200" y="2926080"/>
+            <a:ext cx="11274552" cy="914400"/>
+          </a:xfrm>
+          <a:prstGeom prst="rect">
+            <a:avLst/>
+          </a:prstGeom>
+          <a:noFill/>
+        </p:spPr>
+        <p:txBody>
+          <a:bodyPr wrap="square">
+            <a:spAutoFit/>
+          </a:bodyPr>
+          <a:lstStyle/>
+          <a:p>
+            <a:pPr algn="ctr">
+              <a:defRPr sz="2800">
                 <a:solidFill>
                   <a:srgbClr val="FFFFFF"/>
                 </a:solidFill>
               </a:defRPr>
             </a:pPr>
             <a:r>
-              <a:t>50 tests in parallel?</a:t>
-            </a:r>
-          </a:p>
-        </p:txBody>
-      </p:sp>
-      <p:sp>
-        <p:nvSpPr>
-          <p:cNvPr id="4" name="TextBox 3"/>
+              <a:t>Every request includes this header.</a:t>
+            </a:r>
+          </a:p>
+        </p:txBody>
+      </p:sp>
+      <p:sp>
+        <p:nvSpPr>
+          <p:cNvPr id="5" name="TextBox 4"/>
           <p:cNvSpPr txBox="1"/>
           <p:nvPr/>
         </p:nvSpPr>
         <p:spPr>
           <a:xfrm>
             <a:off x="457200" y="3657600"/>
-            <a:ext cx="11277295" cy="1371600"/>
+            <a:ext cx="11274552" cy="914400"/>
           </a:xfrm>
           <a:prstGeom prst="rect">
             <a:avLst/>
@@ -5078,14 +5659,49 @@
           <a:lstStyle/>
           <a:p>
             <a:pPr algn="ctr">
-              <a:defRPr sz="6000" b="1">
+              <a:defRPr sz="2800">
+                <a:solidFill>
+                  <a:srgbClr val="FFFFFF"/>
+                </a:solidFill>
+              </a:defRPr>
+            </a:pPr>
+            <a:r>
+              <a:t>Scenarist looks up the scenario for that specific test.</a:t>
+            </a:r>
+          </a:p>
+        </p:txBody>
+      </p:sp>
+      <p:sp>
+        <p:nvSpPr>
+          <p:cNvPr id="6" name="TextBox 5"/>
+          <p:cNvSpPr txBox="1"/>
+          <p:nvPr/>
+        </p:nvSpPr>
+        <p:spPr>
+          <a:xfrm>
+            <a:off x="457200" y="4754880"/>
+            <a:ext cx="11274552" cy="914400"/>
+          </a:xfrm>
+          <a:prstGeom prst="rect">
+            <a:avLst/>
+          </a:prstGeom>
+          <a:noFill/>
+        </p:spPr>
+        <p:txBody>
+          <a:bodyPr wrap="square">
+            <a:spAutoFit/>
+          </a:bodyPr>
+          <a:lstStyle/>
+          <a:p>
+            <a:pPr algn="ctr">
+              <a:defRPr sz="3200">
                 <a:solidFill>
                   <a:srgbClr val="22C55E"/>
                 </a:solidFill>
               </a:defRPr>
             </a:pPr>
             <a:r>
-              <a:t>Zero conflicts.</a:t>
+              <a:t>50 tests in parallel. Zero conflicts.</a:t>
             </a:r>
           </a:p>
         </p:txBody>
@@ -5160,42 +5776,7 @@
         <p:spPr>
           <a:xfrm>
             <a:off x="457200" y="731520"/>
-            <a:ext cx="11277295" cy="1371600"/>
-          </a:xfrm>
-          <a:prstGeom prst="rect">
-            <a:avLst/>
-          </a:prstGeom>
-          <a:noFill/>
-        </p:spPr>
-        <p:txBody>
-          <a:bodyPr wrap="square">
-            <a:spAutoFit/>
-          </a:bodyPr>
-          <a:lstStyle/>
-          <a:p>
-            <a:pPr algn="ctr">
-              <a:defRPr sz="4000" b="1">
-                <a:solidFill>
-                  <a:srgbClr val="A1A1AA"/>
-                </a:solidFill>
-              </a:defRPr>
-            </a:pPr>
-            <a:r>
-              <a:t>But what about...</a:t>
-            </a:r>
-          </a:p>
-        </p:txBody>
-      </p:sp>
-      <p:sp>
-        <p:nvSpPr>
-          <p:cNvPr id="4" name="TextBox 3"/>
-          <p:cNvSpPr txBox="1"/>
-          <p:nvPr/>
-        </p:nvSpPr>
-        <p:spPr>
-          <a:xfrm>
-            <a:off x="457200" y="1828800"/>
-            <a:ext cx="11277295" cy="1371600"/>
+            <a:ext cx="11274552" cy="914400"/>
           </a:xfrm>
           <a:prstGeom prst="rect">
             <a:avLst/>
@@ -5211,12 +5792,47 @@
             <a:pPr algn="ctr">
               <a:defRPr sz="4400" b="1">
                 <a:solidFill>
+                  <a:srgbClr val="FFFFFF"/>
+                </a:solidFill>
+              </a:defRPr>
+            </a:pPr>
+            <a:r>
+              <a:t>But What About...</a:t>
+            </a:r>
+          </a:p>
+        </p:txBody>
+      </p:sp>
+      <p:sp>
+        <p:nvSpPr>
+          <p:cNvPr id="4" name="TextBox 3"/>
+          <p:cNvSpPr txBox="1"/>
+          <p:nvPr/>
+        </p:nvSpPr>
+        <p:spPr>
+          <a:xfrm>
+            <a:off x="457200" y="1645920"/>
+            <a:ext cx="11274552" cy="914400"/>
+          </a:xfrm>
+          <a:prstGeom prst="rect">
+            <a:avLst/>
+          </a:prstGeom>
+          <a:noFill/>
+        </p:spPr>
+        <p:txBody>
+          <a:bodyPr wrap="square">
+            <a:spAutoFit/>
+          </a:bodyPr>
+          <a:lstStyle/>
+          <a:p>
+            <a:pPr algn="ctr">
+              <a:defRPr sz="3600">
+                <a:solidFill>
                   <a:srgbClr val="EF4444"/>
                 </a:solidFill>
               </a:defRPr>
             </a:pPr>
             <a:r>
-              <a:t>'Offer ends during checkout'?</a:t>
+              <a:t>"Offer ends during checkout"</a:t>
             </a:r>
           </a:p>
         </p:txBody>
@@ -5229,8 +5845,8 @@
         </p:nvSpPr>
         <p:spPr>
           <a:xfrm>
-            <a:off x="914400" y="2926080"/>
-            <a:ext cx="10362895" cy="914400"/>
+            <a:off x="457200" y="2377440"/>
+            <a:ext cx="11274552" cy="914400"/>
           </a:xfrm>
           <a:prstGeom prst="rect">
             <a:avLst/>
@@ -5244,14 +5860,14 @@
           <a:lstStyle/>
           <a:p>
             <a:pPr algn="ctr">
-              <a:defRPr sz="2800">
+              <a:defRPr sz="2400">
                 <a:solidFill>
                   <a:srgbClr val="A1A1AA"/>
                 </a:solidFill>
               </a:defRPr>
             </a:pPr>
             <a:r>
-              <a:t>That was truly impossible.</a:t>
+              <a:t>The one that was truly impossible?</a:t>
             </a:r>
           </a:p>
         </p:txBody>
@@ -5264,86 +5880,74 @@
         </p:nvSpPr>
         <p:spPr>
           <a:xfrm>
-            <a:off x="914400" y="3840480"/>
-            <a:ext cx="10362895" cy="914400"/>
-          </a:xfrm>
-          <a:prstGeom prst="rect">
-            <a:avLst/>
-          </a:prstGeom>
-          <a:noFill/>
-        </p:spPr>
-        <p:txBody>
-          <a:bodyPr wrap="square">
-            <a:spAutoFit/>
-          </a:bodyPr>
-          <a:lstStyle/>
-          <a:p>
-            <a:pPr algn="ctr">
-              <a:defRPr sz="2800">
-                <a:solidFill>
-                  <a:srgbClr val="FFFFFF"/>
-                </a:solidFill>
-              </a:defRPr>
-            </a:pPr>
-            <a:r>
-              <a:t>That requires sequences:</a:t>
-            </a:r>
-          </a:p>
-        </p:txBody>
-      </p:sp>
-      <p:sp>
-        <p:nvSpPr>
-          <p:cNvPr id="7" name="Rounded Rectangle 6"/>
-          <p:cNvSpPr/>
-          <p:nvPr/>
-        </p:nvSpPr>
-        <p:spPr>
-          <a:xfrm>
-            <a:off x="1828800" y="4572000"/>
-            <a:ext cx="8534095" cy="1645920"/>
-          </a:xfrm>
-          <a:prstGeom prst="roundRect">
+            <a:off x="1828800" y="3200400"/>
+            <a:ext cx="8229600" cy="2560320"/>
+          </a:xfrm>
+          <a:prstGeom prst="rect">
             <a:avLst/>
           </a:prstGeom>
           <a:solidFill>
             <a:srgbClr val="27272A"/>
           </a:solidFill>
-          <a:ln>
-            <a:noFill/>
-          </a:ln>
-        </p:spPr>
-        <p:style>
-          <a:lnRef idx="1">
-            <a:schemeClr val="accent1"/>
-          </a:lnRef>
-          <a:fillRef idx="3">
-            <a:schemeClr val="accent1"/>
-          </a:fillRef>
-          <a:effectRef idx="2">
-            <a:schemeClr val="accent1"/>
-          </a:effectRef>
-          <a:fontRef idx="minor">
-            <a:schemeClr val="lt1"/>
-          </a:fontRef>
-        </p:style>
-        <p:txBody>
-          <a:bodyPr rtlCol="0" anchor="ctr"/>
-          <a:lstStyle/>
-          <a:p>
-            <a:pPr algn="ctr"/>
-          </a:p>
-        </p:txBody>
-      </p:sp>
-      <p:sp>
-        <p:nvSpPr>
-          <p:cNvPr id="8" name="TextBox 7"/>
-          <p:cNvSpPr txBox="1"/>
-          <p:nvPr/>
-        </p:nvSpPr>
-        <p:spPr>
-          <a:xfrm>
-            <a:off x="2011680" y="4754880"/>
-            <a:ext cx="8168335" cy="1280160"/>
+        </p:spPr>
+        <p:txBody>
+          <a:bodyPr wrap="none">
+            <a:spAutoFit/>
+          </a:bodyPr>
+          <a:lstStyle/>
+          <a:p>
+            <a:pPr>
+              <a:defRPr sz="1800">
+                <a:solidFill>
+                  <a:srgbClr val="A7F3D0"/>
+                </a:solidFill>
+                <a:latin typeface="Menlo"/>
+              </a:defRPr>
+            </a:pPr>
+            <a:r>
+              <a:t>// Response Sequences</a:t>
+            </a:r>
+            <a:br/>
+            <a:r>
+              <a:t>{</a:t>
+            </a:r>
+            <a:br/>
+            <a:r>
+              <a:t>  url: "/inventory/1",</a:t>
+            </a:r>
+            <a:br/>
+            <a:r>
+              <a:t>  sequence: [</a:t>
+            </a:r>
+            <a:br/>
+            <a:r>
+              <a:t>    { quantity: 15 },  // First call: available</a:t>
+            </a:r>
+            <a:br/>
+            <a:r>
+              <a:t>    { quantity: 0 },   // Second call: sold out</a:t>
+            </a:r>
+            <a:br/>
+            <a:r>
+              <a:t>  ]</a:t>
+            </a:r>
+            <a:br/>
+            <a:r>
+              <a:t>}</a:t>
+            </a:r>
+          </a:p>
+        </p:txBody>
+      </p:sp>
+      <p:sp>
+        <p:nvSpPr>
+          <p:cNvPr id="7" name="TextBox 6"/>
+          <p:cNvSpPr txBox="1"/>
+          <p:nvPr/>
+        </p:nvSpPr>
+        <p:spPr>
+          <a:xfrm>
+            <a:off x="457200" y="5943600"/>
+            <a:ext cx="11274552" cy="914400"/>
           </a:xfrm>
           <a:prstGeom prst="rect">
             <a:avLst/>
@@ -5351,33 +5955,20 @@
           <a:noFill/>
         </p:spPr>
         <p:txBody>
-          <a:bodyPr wrap="none">
-            <a:spAutoFit/>
-          </a:bodyPr>
-          <a:lstStyle/>
-          <a:p>
-            <a:pPr>
-              <a:defRPr sz="1400">
-                <a:solidFill>
-                  <a:srgbClr val="E4E4E7"/>
-                </a:solidFill>
-                <a:latin typeface="Menlo"/>
-              </a:defRPr>
-            </a:pPr>
-            <a:r>
-              <a:t>sequence: [</a:t>
-            </a:r>
-            <a:br/>
-            <a:r>
-              <a:t>  { quantity: 15, reserved: 0 },   // First call: available</a:t>
-            </a:r>
-            <a:br/>
-            <a:r>
-              <a:t>  { quantity: 0, reserved: 0 },    // Second call: offer ended</a:t>
-            </a:r>
-            <a:br/>
-            <a:r>
-              <a:t>]</a:t>
+          <a:bodyPr wrap="square">
+            <a:spAutoFit/>
+          </a:bodyPr>
+          <a:lstStyle/>
+          <a:p>
+            <a:pPr algn="ctr">
+              <a:defRPr sz="2800">
+                <a:solidFill>
+                  <a:srgbClr val="F59E0B"/>
+                </a:solidFill>
+              </a:defRPr>
+            </a:pPr>
+            <a:r>
+              <a:t>That's the next video.</a:t>
             </a:r>
           </a:p>
         </p:txBody>
@@ -5451,8 +6042,8 @@
         </p:nvSpPr>
         <p:spPr>
           <a:xfrm>
-            <a:off x="457200" y="1828800"/>
-            <a:ext cx="11277295" cy="1371600"/>
+            <a:off x="457200" y="2286000"/>
+            <a:ext cx="11274552" cy="914400"/>
           </a:xfrm>
           <a:prstGeom prst="rect">
             <a:avLst/>
@@ -5466,84 +6057,84 @@
           <a:lstStyle/>
           <a:p>
             <a:pPr algn="ctr">
-              <a:defRPr sz="3600" b="1">
+              <a:defRPr sz="4800" b="1">
+                <a:solidFill>
+                  <a:srgbClr val="FFFFFF"/>
+                </a:solidFill>
+              </a:defRPr>
+            </a:pPr>
+            <a:r>
+              <a:t>One Server, Unlimited Scenarios</a:t>
+            </a:r>
+          </a:p>
+        </p:txBody>
+      </p:sp>
+      <p:sp>
+        <p:nvSpPr>
+          <p:cNvPr id="4" name="TextBox 3"/>
+          <p:cNvSpPr txBox="1"/>
+          <p:nvPr/>
+        </p:nvSpPr>
+        <p:spPr>
+          <a:xfrm>
+            <a:off x="457200" y="3474720"/>
+            <a:ext cx="11274552" cy="914400"/>
+          </a:xfrm>
+          <a:prstGeom prst="rect">
+            <a:avLst/>
+          </a:prstGeom>
+          <a:noFill/>
+        </p:spPr>
+        <p:txBody>
+          <a:bodyPr wrap="square">
+            <a:spAutoFit/>
+          </a:bodyPr>
+          <a:lstStyle/>
+          <a:p>
+            <a:pPr algn="ctr">
+              <a:defRPr sz="2800">
+                <a:solidFill>
+                  <a:srgbClr val="F59E0B"/>
+                </a:solidFill>
+              </a:defRPr>
+            </a:pPr>
+            <a:r>
+              <a:t>github.com/citypaul/scenarist</a:t>
+            </a:r>
+          </a:p>
+        </p:txBody>
+      </p:sp>
+      <p:sp>
+        <p:nvSpPr>
+          <p:cNvPr id="5" name="TextBox 4"/>
+          <p:cNvSpPr txBox="1"/>
+          <p:nvPr/>
+        </p:nvSpPr>
+        <p:spPr>
+          <a:xfrm>
+            <a:off x="457200" y="4572000"/>
+            <a:ext cx="11274552" cy="914400"/>
+          </a:xfrm>
+          <a:prstGeom prst="rect">
+            <a:avLst/>
+          </a:prstGeom>
+          <a:noFill/>
+        </p:spPr>
+        <p:txBody>
+          <a:bodyPr wrap="square">
+            <a:spAutoFit/>
+          </a:bodyPr>
+          <a:lstStyle/>
+          <a:p>
+            <a:pPr algn="ctr">
+              <a:defRPr sz="2400">
                 <a:solidFill>
                   <a:srgbClr val="A1A1AA"/>
                 </a:solidFill>
               </a:defRPr>
             </a:pPr>
             <a:r>
-              <a:t>Next:</a:t>
-            </a:r>
-          </a:p>
-        </p:txBody>
-      </p:sp>
-      <p:sp>
-        <p:nvSpPr>
-          <p:cNvPr id="4" name="TextBox 3"/>
-          <p:cNvSpPr txBox="1"/>
-          <p:nvPr/>
-        </p:nvSpPr>
-        <p:spPr>
-          <a:xfrm>
-            <a:off x="457200" y="2743200"/>
-            <a:ext cx="11277295" cy="1371600"/>
-          </a:xfrm>
-          <a:prstGeom prst="rect">
-            <a:avLst/>
-          </a:prstGeom>
-          <a:noFill/>
-        </p:spPr>
-        <p:txBody>
-          <a:bodyPr wrap="square">
-            <a:spAutoFit/>
-          </a:bodyPr>
-          <a:lstStyle/>
-          <a:p>
-            <a:pPr algn="ctr">
-              <a:defRPr sz="5600" b="1">
-                <a:solidFill>
-                  <a:srgbClr val="FFFFFF"/>
-                </a:solidFill>
-              </a:defRPr>
-            </a:pPr>
-            <a:r>
-              <a:t>Response Sequences</a:t>
-            </a:r>
-          </a:p>
-        </p:txBody>
-      </p:sp>
-      <p:sp>
-        <p:nvSpPr>
-          <p:cNvPr id="5" name="TextBox 4"/>
-          <p:cNvSpPr txBox="1"/>
-          <p:nvPr/>
-        </p:nvSpPr>
-        <p:spPr>
-          <a:xfrm>
-            <a:off x="914400" y="4114800"/>
-            <a:ext cx="10362895" cy="914400"/>
-          </a:xfrm>
-          <a:prstGeom prst="rect">
-            <a:avLst/>
-          </a:prstGeom>
-          <a:noFill/>
-        </p:spPr>
-        <p:txBody>
-          <a:bodyPr wrap="square">
-            <a:spAutoFit/>
-          </a:bodyPr>
-          <a:lstStyle/>
-          <a:p>
-            <a:pPr algn="ctr">
-              <a:defRPr sz="3200">
-                <a:solidFill>
-                  <a:srgbClr val="FFFFFF"/>
-                </a:solidFill>
-              </a:defRPr>
-            </a:pPr>
-            <a:r>
-              <a:t>Testing state changes over time.</a:t>
+              <a:t>Next: Response Sequences</a:t>
             </a:r>
           </a:p>
         </p:txBody>
@@ -5617,8 +6208,8 @@
         </p:nvSpPr>
         <p:spPr>
           <a:xfrm>
-            <a:off x="457200" y="2286000"/>
-            <a:ext cx="11277295" cy="1371600"/>
+            <a:off x="457200" y="457200"/>
+            <a:ext cx="11274552" cy="914400"/>
           </a:xfrm>
           <a:prstGeom prst="rect">
             <a:avLst/>
@@ -5632,7 +6223,7 @@
           <a:lstStyle/>
           <a:p>
             <a:pPr algn="ctr">
-              <a:defRPr sz="4800" b="1">
+              <a:defRPr sz="4400" b="1">
                 <a:solidFill>
                   <a:srgbClr val="FFFFFF"/>
                 </a:solidFill>
@@ -5652,8 +6243,8 @@
         </p:nvSpPr>
         <p:spPr>
           <a:xfrm>
-            <a:off x="914400" y="3657600"/>
-            <a:ext cx="10362895" cy="914400"/>
+            <a:off x="1371600" y="1645920"/>
+            <a:ext cx="9144000" cy="457200"/>
           </a:xfrm>
           <a:prstGeom prst="rect">
             <a:avLst/>
@@ -5661,20 +6252,195 @@
           <a:noFill/>
         </p:spPr>
         <p:txBody>
+          <a:bodyPr wrap="none">
+            <a:spAutoFit/>
+          </a:bodyPr>
+          <a:lstStyle/>
+          <a:p>
+            <a:pPr>
+              <a:defRPr sz="2400">
+                <a:solidFill>
+                  <a:srgbClr val="22C55E"/>
+                </a:solidFill>
+              </a:defRPr>
+            </a:pPr>
+            <a:r>
+              <a:t>Easy: Happy path</a:t>
+            </a:r>
+          </a:p>
+        </p:txBody>
+      </p:sp>
+      <p:sp>
+        <p:nvSpPr>
+          <p:cNvPr id="5" name="TextBox 4"/>
+          <p:cNvSpPr txBox="1"/>
+          <p:nvPr/>
+        </p:nvSpPr>
+        <p:spPr>
+          <a:xfrm>
+            <a:off x="1371600" y="2194560"/>
+            <a:ext cx="9144000" cy="457200"/>
+          </a:xfrm>
+          <a:prstGeom prst="rect">
+            <a:avLst/>
+          </a:prstGeom>
+          <a:noFill/>
+        </p:spPr>
+        <p:txBody>
+          <a:bodyPr wrap="none">
+            <a:spAutoFit/>
+          </a:bodyPr>
+          <a:lstStyle/>
+          <a:p>
+            <a:pPr>
+              <a:defRPr sz="2400">
+                <a:solidFill>
+                  <a:srgbClr val="F59E0B"/>
+                </a:solidFill>
+              </a:defRPr>
+            </a:pPr>
+            <a:r>
+              <a:t>Annoying: User tiers (pro/free)</a:t>
+            </a:r>
+          </a:p>
+        </p:txBody>
+      </p:sp>
+      <p:sp>
+        <p:nvSpPr>
+          <p:cNvPr id="6" name="TextBox 5"/>
+          <p:cNvSpPr txBox="1"/>
+          <p:nvPr/>
+        </p:nvSpPr>
+        <p:spPr>
+          <a:xfrm>
+            <a:off x="1371600" y="2743200"/>
+            <a:ext cx="9144000" cy="457200"/>
+          </a:xfrm>
+          <a:prstGeom prst="rect">
+            <a:avLst/>
+          </a:prstGeom>
+          <a:noFill/>
+        </p:spPr>
+        <p:txBody>
+          <a:bodyPr wrap="none">
+            <a:spAutoFit/>
+          </a:bodyPr>
+          <a:lstStyle/>
+          <a:p>
+            <a:pPr>
+              <a:defRPr sz="2400">
+                <a:solidFill>
+                  <a:srgbClr val="F59E0B"/>
+                </a:solidFill>
+              </a:defRPr>
+            </a:pPr>
+            <a:r>
+              <a:t>Hard: Offer states, service errors</a:t>
+            </a:r>
+          </a:p>
+        </p:txBody>
+      </p:sp>
+      <p:sp>
+        <p:nvSpPr>
+          <p:cNvPr id="7" name="TextBox 6"/>
+          <p:cNvSpPr txBox="1"/>
+          <p:nvPr/>
+        </p:nvSpPr>
+        <p:spPr>
+          <a:xfrm>
+            <a:off x="1371600" y="3291840"/>
+            <a:ext cx="9144000" cy="457200"/>
+          </a:xfrm>
+          <a:prstGeom prst="rect">
+            <a:avLst/>
+          </a:prstGeom>
+          <a:noFill/>
+        </p:spPr>
+        <p:txBody>
+          <a:bodyPr wrap="none">
+            <a:spAutoFit/>
+          </a:bodyPr>
+          <a:lstStyle/>
+          <a:p>
+            <a:pPr>
+              <a:defRPr sz="2400">
+                <a:solidFill>
+                  <a:srgbClr val="EF4444"/>
+                </a:solidFill>
+              </a:defRPr>
+            </a:pPr>
+            <a:r>
+              <a:t>Impossible: Offer ends during checkout</a:t>
+            </a:r>
+          </a:p>
+        </p:txBody>
+      </p:sp>
+      <p:sp>
+        <p:nvSpPr>
+          <p:cNvPr id="8" name="TextBox 7"/>
+          <p:cNvSpPr txBox="1"/>
+          <p:nvPr/>
+        </p:nvSpPr>
+        <p:spPr>
+          <a:xfrm>
+            <a:off x="1371600" y="3840480"/>
+            <a:ext cx="9144000" cy="457200"/>
+          </a:xfrm>
+          <a:prstGeom prst="rect">
+            <a:avLst/>
+          </a:prstGeom>
+          <a:noFill/>
+        </p:spPr>
+        <p:txBody>
+          <a:bodyPr wrap="none">
+            <a:spAutoFit/>
+          </a:bodyPr>
+          <a:lstStyle/>
+          <a:p>
+            <a:pPr>
+              <a:defRPr sz="2400">
+                <a:solidFill>
+                  <a:srgbClr val="EF4444"/>
+                </a:solidFill>
+              </a:defRPr>
+            </a:pPr>
+            <a:r>
+              <a:t>Impossible: 50 parallel tests</a:t>
+            </a:r>
+          </a:p>
+        </p:txBody>
+      </p:sp>
+      <p:sp>
+        <p:nvSpPr>
+          <p:cNvPr id="9" name="TextBox 8"/>
+          <p:cNvSpPr txBox="1"/>
+          <p:nvPr/>
+        </p:nvSpPr>
+        <p:spPr>
+          <a:xfrm>
+            <a:off x="457200" y="5029200"/>
+            <a:ext cx="11274552" cy="914400"/>
+          </a:xfrm>
+          <a:prstGeom prst="rect">
+            <a:avLst/>
+          </a:prstGeom>
+          <a:noFill/>
+        </p:spPr>
+        <p:txBody>
           <a:bodyPr wrap="square">
             <a:spAutoFit/>
           </a:bodyPr>
           <a:lstStyle/>
           <a:p>
             <a:pPr algn="ctr">
-              <a:defRPr sz="4000">
+              <a:defRPr sz="3600">
                 <a:solidFill>
                   <a:srgbClr val="F59E0B"/>
                 </a:solidFill>
               </a:defRPr>
             </a:pPr>
             <a:r>
-              <a:t>Let's fix it.</a:t>
+              <a:t>Let's fix that.</a:t>
             </a:r>
           </a:p>
         </p:txBody>
@@ -5748,8 +6514,8 @@
         </p:nvSpPr>
         <p:spPr>
           <a:xfrm>
-            <a:off x="457200" y="457200"/>
-            <a:ext cx="11277295" cy="1371600"/>
+            <a:off x="457200" y="365760"/>
+            <a:ext cx="11274552" cy="914400"/>
           </a:xfrm>
           <a:prstGeom prst="rect">
             <a:avLst/>
@@ -5763,14 +6529,14 @@
           <a:lstStyle/>
           <a:p>
             <a:pPr algn="ctr">
-              <a:defRPr sz="4000" b="1">
+              <a:defRPr sz="4400" b="1">
                 <a:solidFill>
                   <a:srgbClr val="FFFFFF"/>
                 </a:solidFill>
               </a:defRPr>
             </a:pPr>
             <a:r>
-              <a:t>The Problem</a:t>
+              <a:t>PayFlow's Architecture</a:t>
             </a:r>
           </a:p>
         </p:txBody>
@@ -5783,8 +6549,8 @@
         </p:nvSpPr>
         <p:spPr>
           <a:xfrm>
-            <a:off x="1371600" y="1371600"/>
-            <a:ext cx="9144000" cy="548640"/>
+            <a:off x="457200" y="914400"/>
+            <a:ext cx="11274552" cy="914400"/>
           </a:xfrm>
           <a:prstGeom prst="rect">
             <a:avLst/>
@@ -5792,34 +6558,294 @@
           <a:noFill/>
         </p:spPr>
         <p:txBody>
-          <a:bodyPr wrap="none">
-            <a:spAutoFit/>
-          </a:bodyPr>
-          <a:lstStyle/>
-          <a:p>
-            <a:pPr>
-              <a:defRPr sz="2800">
-                <a:solidFill>
-                  <a:srgbClr val="22C55E"/>
-                </a:solidFill>
-              </a:defRPr>
-            </a:pPr>
-            <a:r>
-              <a:t>Easy  Happy path</a:t>
-            </a:r>
-          </a:p>
-        </p:txBody>
-      </p:sp>
-      <p:sp>
-        <p:nvSpPr>
-          <p:cNvPr id="5" name="TextBox 4"/>
-          <p:cNvSpPr txBox="1"/>
-          <p:nvPr/>
-        </p:nvSpPr>
-        <p:spPr>
-          <a:xfrm>
-            <a:off x="1371600" y="2011680"/>
-            <a:ext cx="9144000" cy="548640"/>
+          <a:bodyPr wrap="square">
+            <a:spAutoFit/>
+          </a:bodyPr>
+          <a:lstStyle/>
+          <a:p>
+            <a:pPr algn="ctr">
+              <a:defRPr sz="2400">
+                <a:solidFill>
+                  <a:srgbClr val="A1A1AA"/>
+                </a:solidFill>
+              </a:defRPr>
+            </a:pPr>
+            <a:r>
+              <a:t>Three backend services - all server-side HTTP calls</a:t>
+            </a:r>
+          </a:p>
+        </p:txBody>
+      </p:sp>
+      <p:sp>
+        <p:nvSpPr>
+          <p:cNvPr id="5" name="Rounded Rectangle 4"/>
+          <p:cNvSpPr/>
+          <p:nvPr/>
+        </p:nvSpPr>
+        <p:spPr>
+          <a:xfrm>
+            <a:off x="914400" y="2286000"/>
+            <a:ext cx="1828800" cy="914400"/>
+          </a:xfrm>
+          <a:prstGeom prst="roundRect">
+            <a:avLst/>
+          </a:prstGeom>
+          <a:solidFill>
+            <a:srgbClr val="A1A1AA"/>
+          </a:solidFill>
+          <a:ln>
+            <a:noFill/>
+          </a:ln>
+        </p:spPr>
+        <p:style>
+          <a:lnRef idx="1">
+            <a:schemeClr val="accent1"/>
+          </a:lnRef>
+          <a:fillRef idx="3">
+            <a:schemeClr val="accent1"/>
+          </a:fillRef>
+          <a:effectRef idx="2">
+            <a:schemeClr val="accent1"/>
+          </a:effectRef>
+          <a:fontRef idx="minor">
+            <a:schemeClr val="lt1"/>
+          </a:fontRef>
+        </p:style>
+        <p:txBody>
+          <a:bodyPr rtlCol="0" anchor="ctr"/>
+          <a:lstStyle/>
+          <a:p>
+            <a:pPr algn="ctr">
+              <a:defRPr sz="1800" b="1">
+                <a:solidFill>
+                  <a:srgbClr val="18181B"/>
+                </a:solidFill>
+              </a:defRPr>
+            </a:pPr>
+            <a:r>
+              <a:t>Browser</a:t>
+            </a:r>
+          </a:p>
+        </p:txBody>
+      </p:sp>
+      <p:sp>
+        <p:nvSpPr>
+          <p:cNvPr id="6" name="Rounded Rectangle 5"/>
+          <p:cNvSpPr/>
+          <p:nvPr/>
+        </p:nvSpPr>
+        <p:spPr>
+          <a:xfrm>
+            <a:off x="4114800" y="2286000"/>
+            <a:ext cx="2286000" cy="914400"/>
+          </a:xfrm>
+          <a:prstGeom prst="roundRect">
+            <a:avLst/>
+          </a:prstGeom>
+          <a:solidFill>
+            <a:srgbClr val="FFFFFF"/>
+          </a:solidFill>
+          <a:ln>
+            <a:noFill/>
+          </a:ln>
+        </p:spPr>
+        <p:style>
+          <a:lnRef idx="1">
+            <a:schemeClr val="accent1"/>
+          </a:lnRef>
+          <a:fillRef idx="3">
+            <a:schemeClr val="accent1"/>
+          </a:fillRef>
+          <a:effectRef idx="2">
+            <a:schemeClr val="accent1"/>
+          </a:effectRef>
+          <a:fontRef idx="minor">
+            <a:schemeClr val="lt1"/>
+          </a:fontRef>
+        </p:style>
+        <p:txBody>
+          <a:bodyPr rtlCol="0" anchor="ctr"/>
+          <a:lstStyle/>
+          <a:p>
+            <a:pPr algn="ctr">
+              <a:defRPr sz="1800" b="1">
+                <a:solidFill>
+                  <a:srgbClr val="18181B"/>
+                </a:solidFill>
+              </a:defRPr>
+            </a:pPr>
+            <a:r>
+              <a:t>Next.js Server</a:t>
+            </a:r>
+          </a:p>
+        </p:txBody>
+      </p:sp>
+      <p:sp>
+        <p:nvSpPr>
+          <p:cNvPr id="7" name="Rounded Rectangle 6"/>
+          <p:cNvSpPr/>
+          <p:nvPr/>
+        </p:nvSpPr>
+        <p:spPr>
+          <a:xfrm>
+            <a:off x="7772400" y="3840480"/>
+            <a:ext cx="3200400" cy="640080"/>
+          </a:xfrm>
+          <a:prstGeom prst="roundRect">
+            <a:avLst/>
+          </a:prstGeom>
+          <a:solidFill>
+            <a:srgbClr val="3B82F6"/>
+          </a:solidFill>
+          <a:ln>
+            <a:noFill/>
+          </a:ln>
+        </p:spPr>
+        <p:style>
+          <a:lnRef idx="1">
+            <a:schemeClr val="accent1"/>
+          </a:lnRef>
+          <a:fillRef idx="3">
+            <a:schemeClr val="accent1"/>
+          </a:fillRef>
+          <a:effectRef idx="2">
+            <a:schemeClr val="accent1"/>
+          </a:effectRef>
+          <a:fontRef idx="minor">
+            <a:schemeClr val="lt1"/>
+          </a:fontRef>
+        </p:style>
+        <p:txBody>
+          <a:bodyPr rtlCol="0" anchor="ctr"/>
+          <a:lstStyle/>
+          <a:p>
+            <a:pPr algn="ctr">
+              <a:defRPr sz="1600" b="1">
+                <a:solidFill>
+                  <a:srgbClr val="FFFFFF"/>
+                </a:solidFill>
+              </a:defRPr>
+            </a:pPr>
+            <a:r>
+              <a:t>User Service</a:t>
+            </a:r>
+          </a:p>
+        </p:txBody>
+      </p:sp>
+      <p:sp>
+        <p:nvSpPr>
+          <p:cNvPr id="8" name="Rounded Rectangle 7"/>
+          <p:cNvSpPr/>
+          <p:nvPr/>
+        </p:nvSpPr>
+        <p:spPr>
+          <a:xfrm>
+            <a:off x="7772400" y="4572000"/>
+            <a:ext cx="3200400" cy="640080"/>
+          </a:xfrm>
+          <a:prstGeom prst="roundRect">
+            <a:avLst/>
+          </a:prstGeom>
+          <a:solidFill>
+            <a:srgbClr val="22C55E"/>
+          </a:solidFill>
+          <a:ln>
+            <a:noFill/>
+          </a:ln>
+        </p:spPr>
+        <p:style>
+          <a:lnRef idx="1">
+            <a:schemeClr val="accent1"/>
+          </a:lnRef>
+          <a:fillRef idx="3">
+            <a:schemeClr val="accent1"/>
+          </a:fillRef>
+          <a:effectRef idx="2">
+            <a:schemeClr val="accent1"/>
+          </a:effectRef>
+          <a:fontRef idx="minor">
+            <a:schemeClr val="lt1"/>
+          </a:fontRef>
+        </p:style>
+        <p:txBody>
+          <a:bodyPr rtlCol="0" anchor="ctr"/>
+          <a:lstStyle/>
+          <a:p>
+            <a:pPr algn="ctr">
+              <a:defRPr sz="1600" b="1">
+                <a:solidFill>
+                  <a:srgbClr val="FFFFFF"/>
+                </a:solidFill>
+              </a:defRPr>
+            </a:pPr>
+            <a:r>
+              <a:t>Inventory Service</a:t>
+            </a:r>
+          </a:p>
+        </p:txBody>
+      </p:sp>
+      <p:sp>
+        <p:nvSpPr>
+          <p:cNvPr id="9" name="Rounded Rectangle 8"/>
+          <p:cNvSpPr/>
+          <p:nvPr/>
+        </p:nvSpPr>
+        <p:spPr>
+          <a:xfrm>
+            <a:off x="7772400" y="5303520"/>
+            <a:ext cx="3200400" cy="640080"/>
+          </a:xfrm>
+          <a:prstGeom prst="roundRect">
+            <a:avLst/>
+          </a:prstGeom>
+          <a:solidFill>
+            <a:srgbClr val="A855F7"/>
+          </a:solidFill>
+          <a:ln>
+            <a:noFill/>
+          </a:ln>
+        </p:spPr>
+        <p:style>
+          <a:lnRef idx="1">
+            <a:schemeClr val="accent1"/>
+          </a:lnRef>
+          <a:fillRef idx="3">
+            <a:schemeClr val="accent1"/>
+          </a:fillRef>
+          <a:effectRef idx="2">
+            <a:schemeClr val="accent1"/>
+          </a:effectRef>
+          <a:fontRef idx="minor">
+            <a:schemeClr val="lt1"/>
+          </a:fontRef>
+        </p:style>
+        <p:txBody>
+          <a:bodyPr rtlCol="0" anchor="ctr"/>
+          <a:lstStyle/>
+          <a:p>
+            <a:pPr algn="ctr">
+              <a:defRPr sz="1600" b="1">
+                <a:solidFill>
+                  <a:srgbClr val="FFFFFF"/>
+                </a:solidFill>
+              </a:defRPr>
+            </a:pPr>
+            <a:r>
+              <a:t>Shipping Service</a:t>
+            </a:r>
+          </a:p>
+        </p:txBody>
+      </p:sp>
+      <p:sp>
+        <p:nvSpPr>
+          <p:cNvPr id="10" name="TextBox 9"/>
+          <p:cNvSpPr txBox="1"/>
+          <p:nvPr/>
+        </p:nvSpPr>
+        <p:spPr>
+          <a:xfrm>
+            <a:off x="457200" y="5943600"/>
+            <a:ext cx="11274552" cy="914400"/>
           </a:xfrm>
           <a:prstGeom prst="rect">
             <a:avLst/>
@@ -5827,160 +6853,20 @@
           <a:noFill/>
         </p:spPr>
         <p:txBody>
-          <a:bodyPr wrap="none">
-            <a:spAutoFit/>
-          </a:bodyPr>
-          <a:lstStyle/>
-          <a:p>
-            <a:pPr>
-              <a:defRPr sz="2800">
+          <a:bodyPr wrap="square">
+            <a:spAutoFit/>
+          </a:bodyPr>
+          <a:lstStyle/>
+          <a:p>
+            <a:pPr algn="ctr">
+              <a:defRPr sz="2400">
                 <a:solidFill>
                   <a:srgbClr val="F59E0B"/>
                 </a:solidFill>
               </a:defRPr>
             </a:pPr>
             <a:r>
-              <a:t>Annoying  Different user tiers</a:t>
-            </a:r>
-          </a:p>
-        </p:txBody>
-      </p:sp>
-      <p:sp>
-        <p:nvSpPr>
-          <p:cNvPr id="6" name="TextBox 5"/>
-          <p:cNvSpPr txBox="1"/>
-          <p:nvPr/>
-        </p:nvSpPr>
-        <p:spPr>
-          <a:xfrm>
-            <a:off x="1371600" y="2651760"/>
-            <a:ext cx="9144000" cy="548640"/>
-          </a:xfrm>
-          <a:prstGeom prst="rect">
-            <a:avLst/>
-          </a:prstGeom>
-          <a:noFill/>
-        </p:spPr>
-        <p:txBody>
-          <a:bodyPr wrap="none">
-            <a:spAutoFit/>
-          </a:bodyPr>
-          <a:lstStyle/>
-          <a:p>
-            <a:pPr>
-              <a:defRPr sz="2800">
-                <a:solidFill>
-                  <a:srgbClr val="EF4444"/>
-                </a:solidFill>
-              </a:defRPr>
-            </a:pPr>
-            <a:r>
-              <a:t>Hard  Offer ended / limited stock</a:t>
-            </a:r>
-          </a:p>
-        </p:txBody>
-      </p:sp>
-      <p:sp>
-        <p:nvSpPr>
-          <p:cNvPr id="7" name="TextBox 6"/>
-          <p:cNvSpPr txBox="1"/>
-          <p:nvPr/>
-        </p:nvSpPr>
-        <p:spPr>
-          <a:xfrm>
-            <a:off x="1371600" y="3291840"/>
-            <a:ext cx="9144000" cy="548640"/>
-          </a:xfrm>
-          <a:prstGeom prst="rect">
-            <a:avLst/>
-          </a:prstGeom>
-          <a:noFill/>
-        </p:spPr>
-        <p:txBody>
-          <a:bodyPr wrap="none">
-            <a:spAutoFit/>
-          </a:bodyPr>
-          <a:lstStyle/>
-          <a:p>
-            <a:pPr>
-              <a:defRPr sz="2800">
-                <a:solidFill>
-                  <a:srgbClr val="EF4444"/>
-                </a:solidFill>
-              </a:defRPr>
-            </a:pPr>
-            <a:r>
-              <a:t>Impossible  Offer ends during checkout</a:t>
-            </a:r>
-          </a:p>
-        </p:txBody>
-      </p:sp>
-      <p:sp>
-        <p:nvSpPr>
-          <p:cNvPr id="8" name="TextBox 7"/>
-          <p:cNvSpPr txBox="1"/>
-          <p:nvPr/>
-        </p:nvSpPr>
-        <p:spPr>
-          <a:xfrm>
-            <a:off x="1371600" y="3931920"/>
-            <a:ext cx="9144000" cy="548640"/>
-          </a:xfrm>
-          <a:prstGeom prst="rect">
-            <a:avLst/>
-          </a:prstGeom>
-          <a:noFill/>
-        </p:spPr>
-        <p:txBody>
-          <a:bodyPr wrap="none">
-            <a:spAutoFit/>
-          </a:bodyPr>
-          <a:lstStyle/>
-          <a:p>
-            <a:pPr>
-              <a:defRPr sz="2800">
-                <a:solidFill>
-                  <a:srgbClr val="EF4444"/>
-                </a:solidFill>
-              </a:defRPr>
-            </a:pPr>
-            <a:r>
-              <a:t>Impossible  50 tests in parallel</a:t>
-            </a:r>
-          </a:p>
-        </p:txBody>
-      </p:sp>
-      <p:sp>
-        <p:nvSpPr>
-          <p:cNvPr id="9" name="TextBox 8"/>
-          <p:cNvSpPr txBox="1"/>
-          <p:nvPr/>
-        </p:nvSpPr>
-        <p:spPr>
-          <a:xfrm>
-            <a:off x="914400" y="5029200"/>
-            <a:ext cx="10362895" cy="914400"/>
-          </a:xfrm>
-          <a:prstGeom prst="rect">
-            <a:avLst/>
-          </a:prstGeom>
-          <a:noFill/>
-        </p:spPr>
-        <p:txBody>
-          <a:bodyPr wrap="square">
-            <a:spAutoFit/>
-          </a:bodyPr>
-          <a:lstStyle/>
-          <a:p>
-            <a:pPr algn="ctr">
-              <a:defRPr sz="2800">
-                <a:solidFill>
-                  <a:srgbClr val="FFFFFF"/>
-                </a:solidFill>
-              </a:defRPr>
-            </a:pPr>
-            <a:r>
-              <a:t>We need to control what external APIs return.</a:t>
+              <a:t>Your browser never talks to these services directly.</a:t>
             </a:r>
           </a:p>
         </p:txBody>
@@ -6054,8 +6940,8 @@
         </p:nvSpPr>
         <p:spPr>
           <a:xfrm>
-            <a:off x="457200" y="1371600"/>
-            <a:ext cx="11277295" cy="1371600"/>
+            <a:off x="457200" y="1828800"/>
+            <a:ext cx="11274552" cy="914400"/>
           </a:xfrm>
           <a:prstGeom prst="rect">
             <a:avLst/>
@@ -6069,7 +6955,7 @@
           <a:lstStyle/>
           <a:p>
             <a:pPr algn="ctr">
-              <a:defRPr sz="4800" b="1">
+              <a:defRPr sz="5400" b="1">
                 <a:solidFill>
                   <a:srgbClr val="FFFFFF"/>
                 </a:solidFill>
@@ -6089,8 +6975,8 @@
         </p:nvSpPr>
         <p:spPr>
           <a:xfrm>
-            <a:off x="914400" y="2743200"/>
-            <a:ext cx="10362895" cy="914400"/>
+            <a:off x="457200" y="2926080"/>
+            <a:ext cx="11274552" cy="914400"/>
           </a:xfrm>
           <a:prstGeom prst="rect">
             <a:avLst/>
@@ -6111,7 +6997,7 @@
               </a:defRPr>
             </a:pPr>
             <a:r>
-              <a:t>We don't need these services to actually do anything.</a:t>
+              <a:t>If we can intercept those server-side calls,</a:t>
             </a:r>
           </a:p>
         </p:txBody>
@@ -6124,8 +7010,8 @@
         </p:nvSpPr>
         <p:spPr>
           <a:xfrm>
-            <a:off x="914400" y="3657600"/>
-            <a:ext cx="10362895" cy="914400"/>
+            <a:off x="457200" y="3657600"/>
+            <a:ext cx="11274552" cy="914400"/>
           </a:xfrm>
           <a:prstGeom prst="rect">
             <a:avLst/>
@@ -6146,7 +7032,7 @@
               </a:defRPr>
             </a:pPr>
             <a:r>
-              <a:t>We just need them to return the responses we want.</a:t>
+              <a:t>we can return whatever we want.</a:t>
             </a:r>
           </a:p>
         </p:txBody>
@@ -6220,8 +7106,8 @@
         </p:nvSpPr>
         <p:spPr>
           <a:xfrm>
-            <a:off x="457200" y="2286000"/>
-            <a:ext cx="11277295" cy="1371600"/>
+            <a:off x="457200" y="731520"/>
+            <a:ext cx="11274552" cy="914400"/>
           </a:xfrm>
           <a:prstGeom prst="rect">
             <a:avLst/>
@@ -6242,7 +7128,7 @@
               </a:defRPr>
             </a:pPr>
             <a:r>
-              <a:t>What if we could control</a:t>
+              <a:t>Control Every Response</a:t>
             </a:r>
           </a:p>
         </p:txBody>
@@ -6255,8 +7141,8 @@
         </p:nvSpPr>
         <p:spPr>
           <a:xfrm>
-            <a:off x="457200" y="3200400"/>
-            <a:ext cx="11277295" cy="1371600"/>
+            <a:off x="1828800" y="2011680"/>
+            <a:ext cx="9144000" cy="457200"/>
           </a:xfrm>
           <a:prstGeom prst="rect">
             <a:avLst/>
@@ -6264,55 +7150,160 @@
           <a:noFill/>
         </p:spPr>
         <p:txBody>
+          <a:bodyPr wrap="none">
+            <a:spAutoFit/>
+          </a:bodyPr>
+          <a:lstStyle/>
+          <a:p>
+            <a:pPr>
+              <a:defRPr sz="2400">
+                <a:solidFill>
+                  <a:srgbClr val="22C55E"/>
+                </a:solidFill>
+              </a:defRPr>
+            </a:pPr>
+            <a:r>
+              <a:t>Pro user? Return { tier: 'pro' }</a:t>
+            </a:r>
+          </a:p>
+        </p:txBody>
+      </p:sp>
+      <p:sp>
+        <p:nvSpPr>
+          <p:cNvPr id="5" name="TextBox 4"/>
+          <p:cNvSpPr txBox="1"/>
+          <p:nvPr/>
+        </p:nvSpPr>
+        <p:spPr>
+          <a:xfrm>
+            <a:off x="1828800" y="2743200"/>
+            <a:ext cx="9144000" cy="457200"/>
+          </a:xfrm>
+          <a:prstGeom prst="rect">
+            <a:avLst/>
+          </a:prstGeom>
+          <a:noFill/>
+        </p:spPr>
+        <p:txBody>
+          <a:bodyPr wrap="none">
+            <a:spAutoFit/>
+          </a:bodyPr>
+          <a:lstStyle/>
+          <a:p>
+            <a:pPr>
+              <a:defRPr sz="2400">
+                <a:solidFill>
+                  <a:srgbClr val="22C55E"/>
+                </a:solidFill>
+              </a:defRPr>
+            </a:pPr>
+            <a:r>
+              <a:t>Free user? Return { tier: 'free' }</a:t>
+            </a:r>
+          </a:p>
+        </p:txBody>
+      </p:sp>
+      <p:sp>
+        <p:nvSpPr>
+          <p:cNvPr id="6" name="TextBox 5"/>
+          <p:cNvSpPr txBox="1"/>
+          <p:nvPr/>
+        </p:nvSpPr>
+        <p:spPr>
+          <a:xfrm>
+            <a:off x="1828800" y="3474720"/>
+            <a:ext cx="9144000" cy="457200"/>
+          </a:xfrm>
+          <a:prstGeom prst="rect">
+            <a:avLst/>
+          </a:prstGeom>
+          <a:noFill/>
+        </p:spPr>
+        <p:txBody>
+          <a:bodyPr wrap="none">
+            <a:spAutoFit/>
+          </a:bodyPr>
+          <a:lstStyle/>
+          <a:p>
+            <a:pPr>
+              <a:defRPr sz="2400">
+                <a:solidFill>
+                  <a:srgbClr val="22C55E"/>
+                </a:solidFill>
+              </a:defRPr>
+            </a:pPr>
+            <a:r>
+              <a:t>Offer ended? Return { quantity: 0 }</a:t>
+            </a:r>
+          </a:p>
+        </p:txBody>
+      </p:sp>
+      <p:sp>
+        <p:nvSpPr>
+          <p:cNvPr id="7" name="TextBox 6"/>
+          <p:cNvSpPr txBox="1"/>
+          <p:nvPr/>
+        </p:nvSpPr>
+        <p:spPr>
+          <a:xfrm>
+            <a:off x="1828800" y="4206240"/>
+            <a:ext cx="9144000" cy="457200"/>
+          </a:xfrm>
+          <a:prstGeom prst="rect">
+            <a:avLst/>
+          </a:prstGeom>
+          <a:noFill/>
+        </p:spPr>
+        <p:txBody>
+          <a:bodyPr wrap="none">
+            <a:spAutoFit/>
+          </a:bodyPr>
+          <a:lstStyle/>
+          <a:p>
+            <a:pPr>
+              <a:defRPr sz="2400">
+                <a:solidFill>
+                  <a:srgbClr val="22C55E"/>
+                </a:solidFill>
+              </a:defRPr>
+            </a:pPr>
+            <a:r>
+              <a:t>Shipping down? Return 500 error</a:t>
+            </a:r>
+          </a:p>
+        </p:txBody>
+      </p:sp>
+      <p:sp>
+        <p:nvSpPr>
+          <p:cNvPr id="8" name="TextBox 7"/>
+          <p:cNvSpPr txBox="1"/>
+          <p:nvPr/>
+        </p:nvSpPr>
+        <p:spPr>
+          <a:xfrm>
+            <a:off x="457200" y="5303520"/>
+            <a:ext cx="11274552" cy="914400"/>
+          </a:xfrm>
+          <a:prstGeom prst="rect">
+            <a:avLst/>
+          </a:prstGeom>
+          <a:noFill/>
+        </p:spPr>
+        <p:txBody>
           <a:bodyPr wrap="square">
             <a:spAutoFit/>
           </a:bodyPr>
           <a:lstStyle/>
           <a:p>
             <a:pPr algn="ctr">
-              <a:defRPr sz="4400" b="1">
-                <a:solidFill>
-                  <a:srgbClr val="FFFFFF"/>
-                </a:solidFill>
-              </a:defRPr>
-            </a:pPr>
-            <a:r>
-              <a:t>what these services return?</a:t>
-            </a:r>
-          </a:p>
-        </p:txBody>
-      </p:sp>
-      <p:sp>
-        <p:nvSpPr>
-          <p:cNvPr id="5" name="TextBox 4"/>
-          <p:cNvSpPr txBox="1"/>
-          <p:nvPr/>
-        </p:nvSpPr>
-        <p:spPr>
-          <a:xfrm>
-            <a:off x="914400" y="4572000"/>
-            <a:ext cx="10362895" cy="914400"/>
-          </a:xfrm>
-          <a:prstGeom prst="rect">
-            <a:avLst/>
-          </a:prstGeom>
-          <a:noFill/>
-        </p:spPr>
-        <p:txBody>
-          <a:bodyPr wrap="square">
-            <a:spAutoFit/>
-          </a:bodyPr>
-          <a:lstStyle/>
-          <a:p>
-            <a:pPr algn="ctr">
-              <a:defRPr sz="3600">
+              <a:defRPr sz="2800">
                 <a:solidFill>
                   <a:srgbClr val="F59E0B"/>
                 </a:solidFill>
               </a:defRPr>
             </a:pPr>
             <a:r>
-              <a:t>Without touching them at all.</a:t>
+              <a:t>No database changes. No test accounts. Just responses.</a:t>
             </a:r>
           </a:p>
         </p:txBody>
@@ -6387,7 +7378,7 @@
         <p:spPr>
           <a:xfrm>
             <a:off x="457200" y="1371600"/>
-            <a:ext cx="11277295" cy="1371600"/>
+            <a:ext cx="11274552" cy="914400"/>
           </a:xfrm>
           <a:prstGeom prst="rect">
             <a:avLst/>
@@ -6421,8 +7412,8 @@
         </p:nvSpPr>
         <p:spPr>
           <a:xfrm>
-            <a:off x="914400" y="2743200"/>
-            <a:ext cx="10362895" cy="914400"/>
+            <a:off x="457200" y="2743200"/>
+            <a:ext cx="11274552" cy="914400"/>
           </a:xfrm>
           <a:prstGeom prst="rect">
             <a:avLst/>
@@ -6443,7 +7434,7 @@
               </a:defRPr>
             </a:pPr>
             <a:r>
-              <a:t>Intercepts HTTP requests before they reach services.</a:t>
+              <a:t>Intercepts server-side HTTP calls.</a:t>
             </a:r>
           </a:p>
         </p:txBody>
@@ -6456,8 +7447,8 @@
         </p:nvSpPr>
         <p:spPr>
           <a:xfrm>
-            <a:off x="914400" y="3657600"/>
-            <a:ext cx="10362895" cy="914400"/>
+            <a:off x="457200" y="3657600"/>
+            <a:ext cx="11274552" cy="914400"/>
           </a:xfrm>
           <a:prstGeom prst="rect">
             <a:avLst/>
@@ -6553,7 +7544,7 @@
         <p:spPr>
           <a:xfrm>
             <a:off x="457200" y="365760"/>
-            <a:ext cx="11277295" cy="1371600"/>
+            <a:ext cx="11274552" cy="914400"/>
           </a:xfrm>
           <a:prstGeom prst="rect">
             <a:avLst/>
@@ -6618,7 +7609,16 @@
           <a:bodyPr rtlCol="0" anchor="ctr"/>
           <a:lstStyle/>
           <a:p>
-            <a:pPr algn="ctr"/>
+            <a:pPr algn="ctr">
+              <a:defRPr sz="2000" b="1">
+                <a:solidFill>
+                  <a:srgbClr val="FFFFFF"/>
+                </a:solidFill>
+              </a:defRPr>
+            </a:pPr>
+            <a:r>
+              <a:t>Your Test</a:t>
+            </a:r>
           </a:p>
         </p:txBody>
       </p:sp>
@@ -6630,8 +7630,8 @@
         </p:nvSpPr>
         <p:spPr>
           <a:xfrm>
-            <a:off x="3809390" y="1371600"/>
-            <a:ext cx="4572000" cy="914400"/>
+            <a:off x="457200" y="2011680"/>
+            <a:ext cx="11274552" cy="914400"/>
           </a:xfrm>
           <a:prstGeom prst="rect">
             <a:avLst/>
@@ -6639,68 +7639,33 @@
           <a:noFill/>
         </p:spPr>
         <p:txBody>
-          <a:bodyPr wrap="none">
+          <a:bodyPr wrap="square">
             <a:spAutoFit/>
           </a:bodyPr>
           <a:lstStyle/>
           <a:p>
             <a:pPr algn="ctr">
-              <a:defRPr sz="2400" b="1">
+              <a:defRPr sz="3600">
                 <a:solidFill>
                   <a:srgbClr val="FFFFFF"/>
                 </a:solidFill>
               </a:defRPr>
             </a:pPr>
             <a:r>
-              <a:t>Your Test</a:t>
-            </a:r>
-          </a:p>
-        </p:txBody>
-      </p:sp>
-      <p:sp>
-        <p:nvSpPr>
-          <p:cNvPr id="6" name="TextBox 5"/>
-          <p:cNvSpPr txBox="1"/>
-          <p:nvPr/>
-        </p:nvSpPr>
-        <p:spPr>
-          <a:xfrm>
-            <a:off x="914400" y="1965960"/>
-            <a:ext cx="10362895" cy="914400"/>
-          </a:xfrm>
-          <a:prstGeom prst="rect">
-            <a:avLst/>
-          </a:prstGeom>
-          <a:noFill/>
-        </p:spPr>
-        <p:txBody>
-          <a:bodyPr wrap="square">
-            <a:spAutoFit/>
-          </a:bodyPr>
-          <a:lstStyle/>
-          <a:p>
-            <a:pPr algn="ctr">
-              <a:defRPr sz="2400">
-                <a:solidFill>
-                  <a:srgbClr val="A1A1AA"/>
-                </a:solidFill>
-              </a:defRPr>
-            </a:pPr>
-            <a:r>
-              <a:t>|</a:t>
-            </a:r>
-          </a:p>
-        </p:txBody>
-      </p:sp>
-      <p:sp>
-        <p:nvSpPr>
-          <p:cNvPr id="7" name="Rounded Rectangle 6"/>
+              <a:t>↓</a:t>
+            </a:r>
+          </a:p>
+        </p:txBody>
+      </p:sp>
+      <p:sp>
+        <p:nvSpPr>
+          <p:cNvPr id="6" name="Rounded Rectangle 5"/>
           <p:cNvSpPr/>
           <p:nvPr/>
         </p:nvSpPr>
         <p:spPr>
           <a:xfrm>
-            <a:off x="3809390" y="2377440"/>
+            <a:off x="3809390" y="2560320"/>
             <a:ext cx="4572000" cy="914400"/>
           </a:xfrm>
           <a:prstGeom prst="roundRect">
@@ -6731,20 +7696,29 @@
           <a:bodyPr rtlCol="0" anchor="ctr"/>
           <a:lstStyle/>
           <a:p>
-            <a:pPr algn="ctr"/>
-          </a:p>
-        </p:txBody>
-      </p:sp>
-      <p:sp>
-        <p:nvSpPr>
-          <p:cNvPr id="8" name="TextBox 7"/>
-          <p:cNvSpPr txBox="1"/>
-          <p:nvPr/>
-        </p:nvSpPr>
-        <p:spPr>
-          <a:xfrm>
-            <a:off x="3809390" y="2560320"/>
-            <a:ext cx="4572000" cy="914400"/>
+            <a:pPr algn="ctr">
+              <a:defRPr sz="2000" b="1">
+                <a:solidFill>
+                  <a:srgbClr val="18181B"/>
+                </a:solidFill>
+              </a:defRPr>
+            </a:pPr>
+            <a:r>
+              <a:t>Scenarist Core</a:t>
+            </a:r>
+          </a:p>
+        </p:txBody>
+      </p:sp>
+      <p:sp>
+        <p:nvSpPr>
+          <p:cNvPr id="7" name="TextBox 6"/>
+          <p:cNvSpPr txBox="1"/>
+          <p:nvPr/>
+        </p:nvSpPr>
+        <p:spPr>
+          <a:xfrm>
+            <a:off x="457200" y="3383280"/>
+            <a:ext cx="11274552" cy="914400"/>
           </a:xfrm>
           <a:prstGeom prst="rect">
             <a:avLst/>
@@ -6752,103 +7726,33 @@
           <a:noFill/>
         </p:spPr>
         <p:txBody>
-          <a:bodyPr wrap="none">
+          <a:bodyPr wrap="square">
             <a:spAutoFit/>
           </a:bodyPr>
           <a:lstStyle/>
           <a:p>
             <a:pPr algn="ctr">
-              <a:defRPr sz="2400" b="1">
-                <a:solidFill>
-                  <a:srgbClr val="18181B"/>
-                </a:solidFill>
-              </a:defRPr>
-            </a:pPr>
-            <a:r>
-              <a:t>Scenarist Core</a:t>
-            </a:r>
-          </a:p>
-        </p:txBody>
-      </p:sp>
-      <p:sp>
-        <p:nvSpPr>
-          <p:cNvPr id="9" name="TextBox 8"/>
-          <p:cNvSpPr txBox="1"/>
-          <p:nvPr/>
-        </p:nvSpPr>
-        <p:spPr>
-          <a:xfrm>
-            <a:off x="914400" y="3200400"/>
-            <a:ext cx="10362895" cy="914400"/>
-          </a:xfrm>
-          <a:prstGeom prst="rect">
-            <a:avLst/>
-          </a:prstGeom>
-          <a:noFill/>
-        </p:spPr>
-        <p:txBody>
-          <a:bodyPr wrap="square">
-            <a:spAutoFit/>
-          </a:bodyPr>
-          <a:lstStyle/>
-          <a:p>
-            <a:pPr algn="ctr">
-              <a:defRPr sz="1800">
-                <a:solidFill>
-                  <a:srgbClr val="A1A1AA"/>
-                </a:solidFill>
-              </a:defRPr>
-            </a:pPr>
-            <a:r>
-              <a:t>Framework-agnostic</a:t>
-            </a:r>
-          </a:p>
-        </p:txBody>
-      </p:sp>
-      <p:sp>
-        <p:nvSpPr>
-          <p:cNvPr id="10" name="TextBox 9"/>
-          <p:cNvSpPr txBox="1"/>
-          <p:nvPr/>
-        </p:nvSpPr>
-        <p:spPr>
-          <a:xfrm>
-            <a:off x="914400" y="3429000"/>
-            <a:ext cx="10362895" cy="914400"/>
-          </a:xfrm>
-          <a:prstGeom prst="rect">
-            <a:avLst/>
-          </a:prstGeom>
-          <a:noFill/>
-        </p:spPr>
-        <p:txBody>
-          <a:bodyPr wrap="square">
-            <a:spAutoFit/>
-          </a:bodyPr>
-          <a:lstStyle/>
-          <a:p>
-            <a:pPr algn="ctr">
-              <a:defRPr sz="2400">
-                <a:solidFill>
-                  <a:srgbClr val="A1A1AA"/>
-                </a:solidFill>
-              </a:defRPr>
-            </a:pPr>
-            <a:r>
-              <a:t>|</a:t>
-            </a:r>
-          </a:p>
-        </p:txBody>
-      </p:sp>
-      <p:sp>
-        <p:nvSpPr>
-          <p:cNvPr id="11" name="Rounded Rectangle 10"/>
+              <a:defRPr sz="3600">
+                <a:solidFill>
+                  <a:srgbClr val="FFFFFF"/>
+                </a:solidFill>
+              </a:defRPr>
+            </a:pPr>
+            <a:r>
+              <a:t>↓</a:t>
+            </a:r>
+          </a:p>
+        </p:txBody>
+      </p:sp>
+      <p:sp>
+        <p:nvSpPr>
+          <p:cNvPr id="8" name="Rounded Rectangle 7"/>
           <p:cNvSpPr/>
           <p:nvPr/>
         </p:nvSpPr>
         <p:spPr>
           <a:xfrm>
-            <a:off x="3809390" y="3840480"/>
+            <a:off x="3809390" y="3931920"/>
             <a:ext cx="4572000" cy="914400"/>
           </a:xfrm>
           <a:prstGeom prst="roundRect">
@@ -6879,20 +7783,29 @@
           <a:bodyPr rtlCol="0" anchor="ctr"/>
           <a:lstStyle/>
           <a:p>
-            <a:pPr algn="ctr"/>
-          </a:p>
-        </p:txBody>
-      </p:sp>
-      <p:sp>
-        <p:nvSpPr>
-          <p:cNvPr id="12" name="TextBox 11"/>
-          <p:cNvSpPr txBox="1"/>
-          <p:nvPr/>
-        </p:nvSpPr>
-        <p:spPr>
-          <a:xfrm>
-            <a:off x="3809390" y="4023360"/>
-            <a:ext cx="4572000" cy="914400"/>
+            <a:pPr algn="ctr">
+              <a:defRPr sz="2000" b="1">
+                <a:solidFill>
+                  <a:srgbClr val="18181B"/>
+                </a:solidFill>
+              </a:defRPr>
+            </a:pPr>
+            <a:r>
+              <a:t>Framework Adapter</a:t>
+            </a:r>
+          </a:p>
+        </p:txBody>
+      </p:sp>
+      <p:sp>
+        <p:nvSpPr>
+          <p:cNvPr id="9" name="TextBox 8"/>
+          <p:cNvSpPr txBox="1"/>
+          <p:nvPr/>
+        </p:nvSpPr>
+        <p:spPr>
+          <a:xfrm>
+            <a:off x="457200" y="4754880"/>
+            <a:ext cx="11274552" cy="914400"/>
           </a:xfrm>
           <a:prstGeom prst="rect">
             <a:avLst/>
@@ -6900,97 +7813,27 @@
           <a:noFill/>
         </p:spPr>
         <p:txBody>
-          <a:bodyPr wrap="none">
+          <a:bodyPr wrap="square">
             <a:spAutoFit/>
           </a:bodyPr>
           <a:lstStyle/>
           <a:p>
             <a:pPr algn="ctr">
-              <a:defRPr sz="2400" b="1">
+              <a:defRPr sz="3600">
                 <a:solidFill>
                   <a:srgbClr val="FFFFFF"/>
                 </a:solidFill>
               </a:defRPr>
             </a:pPr>
             <a:r>
-              <a:t>Framework Adapter</a:t>
-            </a:r>
-          </a:p>
-        </p:txBody>
-      </p:sp>
-      <p:sp>
-        <p:nvSpPr>
-          <p:cNvPr id="13" name="TextBox 12"/>
-          <p:cNvSpPr txBox="1"/>
-          <p:nvPr/>
-        </p:nvSpPr>
-        <p:spPr>
-          <a:xfrm>
-            <a:off x="914400" y="4663440"/>
-            <a:ext cx="10362895" cy="914400"/>
-          </a:xfrm>
-          <a:prstGeom prst="rect">
-            <a:avLst/>
-          </a:prstGeom>
-          <a:noFill/>
-        </p:spPr>
-        <p:txBody>
-          <a:bodyPr wrap="square">
-            <a:spAutoFit/>
-          </a:bodyPr>
-          <a:lstStyle/>
-          <a:p>
-            <a:pPr algn="ctr">
-              <a:defRPr sz="1800">
-                <a:solidFill>
-                  <a:srgbClr val="A1A1AA"/>
-                </a:solidFill>
-              </a:defRPr>
-            </a:pPr>
-            <a:r>
-              <a:t>Express / Next.js / Fastify / Hono</a:t>
-            </a:r>
-          </a:p>
-        </p:txBody>
-      </p:sp>
-      <p:sp>
-        <p:nvSpPr>
-          <p:cNvPr id="14" name="TextBox 13"/>
-          <p:cNvSpPr txBox="1"/>
-          <p:nvPr/>
-        </p:nvSpPr>
-        <p:spPr>
-          <a:xfrm>
-            <a:off x="914400" y="4892040"/>
-            <a:ext cx="10362895" cy="914400"/>
-          </a:xfrm>
-          <a:prstGeom prst="rect">
-            <a:avLst/>
-          </a:prstGeom>
-          <a:noFill/>
-        </p:spPr>
-        <p:txBody>
-          <a:bodyPr wrap="square">
-            <a:spAutoFit/>
-          </a:bodyPr>
-          <a:lstStyle/>
-          <a:p>
-            <a:pPr algn="ctr">
-              <a:defRPr sz="2400">
-                <a:solidFill>
-                  <a:srgbClr val="A1A1AA"/>
-                </a:solidFill>
-              </a:defRPr>
-            </a:pPr>
-            <a:r>
-              <a:t>|</a:t>
-            </a:r>
-          </a:p>
-        </p:txBody>
-      </p:sp>
-      <p:sp>
-        <p:nvSpPr>
-          <p:cNvPr id="15" name="Rounded Rectangle 14"/>
+              <a:t>↓</a:t>
+            </a:r>
+          </a:p>
+        </p:txBody>
+      </p:sp>
+      <p:sp>
+        <p:nvSpPr>
+          <p:cNvPr id="10" name="Rounded Rectangle 9"/>
           <p:cNvSpPr/>
           <p:nvPr/>
         </p:nvSpPr>
@@ -7027,20 +7870,29 @@
           <a:bodyPr rtlCol="0" anchor="ctr"/>
           <a:lstStyle/>
           <a:p>
-            <a:pPr algn="ctr"/>
-          </a:p>
-        </p:txBody>
-      </p:sp>
-      <p:sp>
-        <p:nvSpPr>
-          <p:cNvPr id="16" name="TextBox 15"/>
-          <p:cNvSpPr txBox="1"/>
-          <p:nvPr/>
-        </p:nvSpPr>
-        <p:spPr>
-          <a:xfrm>
-            <a:off x="3809390" y="5486400"/>
-            <a:ext cx="4572000" cy="914400"/>
+            <a:pPr algn="ctr">
+              <a:defRPr sz="2000" b="1">
+                <a:solidFill>
+                  <a:srgbClr val="FFFFFF"/>
+                </a:solidFill>
+              </a:defRPr>
+            </a:pPr>
+            <a:r>
+              <a:t>MSW (Interception)</a:t>
+            </a:r>
+          </a:p>
+        </p:txBody>
+      </p:sp>
+      <p:sp>
+        <p:nvSpPr>
+          <p:cNvPr id="11" name="TextBox 10"/>
+          <p:cNvSpPr txBox="1"/>
+          <p:nvPr/>
+        </p:nvSpPr>
+        <p:spPr>
+          <a:xfrm>
+            <a:off x="8686800" y="2743200"/>
+            <a:ext cx="9144000" cy="457200"/>
           </a:xfrm>
           <a:prstGeom prst="rect">
             <a:avLst/>
@@ -7053,15 +7905,50 @@
           </a:bodyPr>
           <a:lstStyle/>
           <a:p>
-            <a:pPr algn="ctr">
-              <a:defRPr sz="2400" b="1">
-                <a:solidFill>
-                  <a:srgbClr val="FFFFFF"/>
-                </a:solidFill>
-              </a:defRPr>
-            </a:pPr>
-            <a:r>
-              <a:t>MSW (Interception)</a:t>
+            <a:pPr>
+              <a:defRPr sz="2400">
+                <a:solidFill>
+                  <a:srgbClr val="A1A1AA"/>
+                </a:solidFill>
+              </a:defRPr>
+            </a:pPr>
+            <a:r>
+              <a:t>← Framework-agnostic</a:t>
+            </a:r>
+          </a:p>
+        </p:txBody>
+      </p:sp>
+      <p:sp>
+        <p:nvSpPr>
+          <p:cNvPr id="12" name="TextBox 11"/>
+          <p:cNvSpPr txBox="1"/>
+          <p:nvPr/>
+        </p:nvSpPr>
+        <p:spPr>
+          <a:xfrm>
+            <a:off x="8686800" y="4114800"/>
+            <a:ext cx="9144000" cy="457200"/>
+          </a:xfrm>
+          <a:prstGeom prst="rect">
+            <a:avLst/>
+          </a:prstGeom>
+          <a:noFill/>
+        </p:spPr>
+        <p:txBody>
+          <a:bodyPr wrap="none">
+            <a:spAutoFit/>
+          </a:bodyPr>
+          <a:lstStyle/>
+          <a:p>
+            <a:pPr>
+              <a:defRPr sz="2400">
+                <a:solidFill>
+                  <a:srgbClr val="A1A1AA"/>
+                </a:solidFill>
+              </a:defRPr>
+            </a:pPr>
+            <a:r>
+              <a:t>← Express, Next.js, etc</a:t>
             </a:r>
           </a:p>
         </p:txBody>
@@ -7135,8 +8022,8 @@
         </p:nvSpPr>
         <p:spPr>
           <a:xfrm>
-            <a:off x="457200" y="1828800"/>
-            <a:ext cx="11277295" cy="1371600"/>
+            <a:off x="457200" y="2286000"/>
+            <a:ext cx="11274552" cy="914400"/>
           </a:xfrm>
           <a:prstGeom prst="rect">
             <a:avLst/>
@@ -7150,14 +8037,14 @@
           <a:lstStyle/>
           <a:p>
             <a:pPr algn="ctr">
-              <a:defRPr sz="4400" b="1">
+              <a:defRPr sz="4800" b="1">
                 <a:solidFill>
                   <a:srgbClr val="FFFFFF"/>
                 </a:solidFill>
               </a:defRPr>
             </a:pPr>
             <a:r>
-              <a:t>Using Express today?</a:t>
+              <a:t>One Pattern, Any Framework</a:t>
             </a:r>
           </a:p>
         </p:txBody>
@@ -7170,8 +8057,8 @@
         </p:nvSpPr>
         <p:spPr>
           <a:xfrm>
-            <a:off x="457200" y="2926080"/>
-            <a:ext cx="11277295" cy="1371600"/>
+            <a:off x="457200" y="3474720"/>
+            <a:ext cx="11274552" cy="914400"/>
           </a:xfrm>
           <a:prstGeom prst="rect">
             <a:avLst/>
@@ -7185,14 +8072,14 @@
           <a:lstStyle/>
           <a:p>
             <a:pPr algn="ctr">
-              <a:defRPr sz="4400" b="1">
+              <a:defRPr sz="3200">
                 <a:solidFill>
                   <a:srgbClr val="FFFFFF"/>
                 </a:solidFill>
               </a:defRPr>
             </a:pPr>
             <a:r>
-              <a:t>Migrating to Next.js tomorrow?</a:t>
+              <a:t>Express today? Next.js tomorrow?</a:t>
             </a:r>
           </a:p>
         </p:txBody>
@@ -7205,8 +8092,8 @@
         </p:nvSpPr>
         <p:spPr>
           <a:xfrm>
-            <a:off x="914400" y="4389120"/>
-            <a:ext cx="10362895" cy="914400"/>
+            <a:off x="457200" y="4206240"/>
+            <a:ext cx="11274552" cy="914400"/>
           </a:xfrm>
           <a:prstGeom prst="rect">
             <a:avLst/>
@@ -7220,42 +8107,7 @@
           <a:lstStyle/>
           <a:p>
             <a:pPr algn="ctr">
-              <a:defRPr sz="4000">
-                <a:solidFill>
-                  <a:srgbClr val="FFFFFF"/>
-                </a:solidFill>
-              </a:defRPr>
-            </a:pPr>
-            <a:r>
-              <a:t>The patterns are the same.</a:t>
-            </a:r>
-          </a:p>
-        </p:txBody>
-      </p:sp>
-      <p:sp>
-        <p:nvSpPr>
-          <p:cNvPr id="6" name="TextBox 5"/>
-          <p:cNvSpPr txBox="1"/>
-          <p:nvPr/>
-        </p:nvSpPr>
-        <p:spPr>
-          <a:xfrm>
-            <a:off x="457200" y="5303520"/>
-            <a:ext cx="11277295" cy="1371600"/>
-          </a:xfrm>
-          <a:prstGeom prst="rect">
-            <a:avLst/>
-          </a:prstGeom>
-          <a:noFill/>
-        </p:spPr>
-        <p:txBody>
-          <a:bodyPr wrap="square">
-            <a:spAutoFit/>
-          </a:bodyPr>
-          <a:lstStyle/>
-          <a:p>
-            <a:pPr algn="ctr">
-              <a:defRPr sz="3600" b="1">
+              <a:defRPr sz="3200">
                 <a:solidFill>
                   <a:srgbClr val="F59E0B"/>
                 </a:solidFill>
@@ -7337,7 +8189,7 @@
         <p:spPr>
           <a:xfrm>
             <a:off x="457200" y="457200"/>
-            <a:ext cx="11277295" cy="1371600"/>
+            <a:ext cx="11274552" cy="914400"/>
           </a:xfrm>
           <a:prstGeom prst="rect">
             <a:avLst/>
@@ -7351,7 +8203,7 @@
           <a:lstStyle/>
           <a:p>
             <a:pPr algn="ctr">
-              <a:defRPr sz="4800" b="1">
+              <a:defRPr sz="5400" b="1">
                 <a:solidFill>
                   <a:srgbClr val="F59E0B"/>
                 </a:solidFill>
@@ -7365,14 +8217,49 @@
       </p:sp>
       <p:sp>
         <p:nvSpPr>
-          <p:cNvPr id="4" name="Rounded Rectangle 3"/>
+          <p:cNvPr id="4" name="TextBox 3"/>
+          <p:cNvSpPr txBox="1"/>
+          <p:nvPr/>
+        </p:nvSpPr>
+        <p:spPr>
+          <a:xfrm>
+            <a:off x="457200" y="1645920"/>
+            <a:ext cx="11274552" cy="914400"/>
+          </a:xfrm>
+          <a:prstGeom prst="rect">
+            <a:avLst/>
+          </a:prstGeom>
+          <a:noFill/>
+        </p:spPr>
+        <p:txBody>
+          <a:bodyPr wrap="square">
+            <a:spAutoFit/>
+          </a:bodyPr>
+          <a:lstStyle/>
+          <a:p>
+            <a:pPr algn="ctr">
+              <a:defRPr sz="2800">
+                <a:solidFill>
+                  <a:srgbClr val="FFFFFF"/>
+                </a:solidFill>
+              </a:defRPr>
+            </a:pPr>
+            <a:r>
+              <a:t>Two terminals:</a:t>
+            </a:r>
+          </a:p>
+        </p:txBody>
+      </p:sp>
+      <p:sp>
+        <p:nvSpPr>
+          <p:cNvPr id="5" name="Rounded Rectangle 4"/>
           <p:cNvSpPr/>
           <p:nvPr/>
         </p:nvSpPr>
         <p:spPr>
           <a:xfrm>
-            <a:off x="731520" y="1645920"/>
-            <a:ext cx="3474720" cy="1828800"/>
+            <a:off x="1828800" y="2560320"/>
+            <a:ext cx="3657600" cy="2286000"/>
           </a:xfrm>
           <a:prstGeom prst="roundRect">
             <a:avLst/>
@@ -7381,7 +8268,9 @@
             <a:srgbClr val="27272A"/>
           </a:solidFill>
           <a:ln>
-            <a:noFill/>
+            <a:solidFill>
+              <a:srgbClr val="A1A1AA"/>
+            </a:solidFill>
           </a:ln>
         </p:spPr>
         <p:style>
@@ -7402,54 +8291,42 @@
           <a:bodyPr rtlCol="0" anchor="ctr"/>
           <a:lstStyle/>
           <a:p>
-            <a:pPr algn="ctr"/>
-          </a:p>
-        </p:txBody>
-      </p:sp>
-      <p:sp>
-        <p:nvSpPr>
-          <p:cNvPr id="5" name="TextBox 4"/>
-          <p:cNvSpPr txBox="1"/>
-          <p:nvPr/>
-        </p:nvSpPr>
-        <p:spPr>
-          <a:xfrm>
-            <a:off x="914400" y="1828800"/>
-            <a:ext cx="3108960" cy="1463040"/>
-          </a:xfrm>
-          <a:prstGeom prst="rect">
-            <a:avLst/>
-          </a:prstGeom>
-          <a:noFill/>
-        </p:spPr>
-        <p:txBody>
-          <a:bodyPr wrap="none">
-            <a:spAutoFit/>
-          </a:bodyPr>
-          <a:lstStyle/>
-          <a:p>
+            <a:pPr algn="ctr">
+              <a:defRPr sz="1600">
+                <a:solidFill>
+                  <a:srgbClr val="A1A1AA"/>
+                </a:solidFill>
+              </a:defRPr>
+            </a:pPr>
+            <a:r>
+              <a:t>Terminal 1</a:t>
+            </a:r>
+          </a:p>
+          <a:p>
+            <a:br/>
             <a:pPr>
-              <a:defRPr sz="2000" b="1">
+              <a:defRPr sz="1400">
+                <a:solidFill>
+                  <a:srgbClr val="22C55E"/>
+                </a:solidFill>
+                <a:latin typeface="Menlo"/>
+              </a:defRPr>
+            </a:pPr>
+            <a:r>
+              <a:t>$ pnpm dev</a:t>
+            </a:r>
+          </a:p>
+          <a:p>
+            <a:pPr>
+              <a:defRPr sz="1400">
                 <a:solidFill>
                   <a:srgbClr val="FFFFFF"/>
                 </a:solidFill>
-              </a:defRPr>
-            </a:pPr>
-            <a:r>
-              <a:t>Next.js</a:t>
-            </a:r>
-          </a:p>
-          <a:p>
-            <a:pPr>
-              <a:defRPr sz="1600">
-                <a:solidFill>
-                  <a:srgbClr val="22C55E"/>
-                </a:solidFill>
                 <a:latin typeface="Menlo"/>
               </a:defRPr>
             </a:pPr>
             <a:r>
-              <a:t>pnpm dev</a:t>
+              <a:t>Next.js running...</a:t>
             </a:r>
           </a:p>
         </p:txBody>
@@ -7462,8 +8339,8 @@
         </p:nvSpPr>
         <p:spPr>
           <a:xfrm>
-            <a:off x="4572000" y="1645920"/>
-            <a:ext cx="3474720" cy="1828800"/>
+            <a:off x="6400800" y="2560320"/>
+            <a:ext cx="3657600" cy="2286000"/>
           </a:xfrm>
           <a:prstGeom prst="roundRect">
             <a:avLst/>
@@ -7472,7 +8349,9 @@
             <a:srgbClr val="27272A"/>
           </a:solidFill>
           <a:ln>
-            <a:noFill/>
+            <a:solidFill>
+              <a:srgbClr val="A1A1AA"/>
+            </a:solidFill>
           </a:ln>
         </p:spPr>
         <p:style>
@@ -7493,123 +8372,56 @@
           <a:bodyPr rtlCol="0" anchor="ctr"/>
           <a:lstStyle/>
           <a:p>
-            <a:pPr algn="ctr"/>
-          </a:p>
-        </p:txBody>
-      </p:sp>
-      <p:sp>
-        <p:nvSpPr>
-          <p:cNvPr id="7" name="TextBox 6"/>
-          <p:cNvSpPr txBox="1"/>
-          <p:nvPr/>
-        </p:nvSpPr>
-        <p:spPr>
-          <a:xfrm>
-            <a:off x="4754880" y="1828800"/>
-            <a:ext cx="3108960" cy="1463040"/>
-          </a:xfrm>
-          <a:prstGeom prst="rect">
-            <a:avLst/>
-          </a:prstGeom>
-          <a:noFill/>
-        </p:spPr>
-        <p:txBody>
-          <a:bodyPr wrap="none">
-            <a:spAutoFit/>
-          </a:bodyPr>
-          <a:lstStyle/>
-          <a:p>
-            <a:pPr>
-              <a:defRPr sz="2000" b="1">
-                <a:solidFill>
-                  <a:srgbClr val="FFFFFF"/>
-                </a:solidFill>
-              </a:defRPr>
-            </a:pPr>
-            <a:r>
-              <a:t>Inventory Service</a:t>
-            </a:r>
-          </a:p>
-          <a:p>
-            <a:pPr>
+            <a:pPr algn="ctr">
               <a:defRPr sz="1600">
                 <a:solidFill>
-                  <a:srgbClr val="22C55E"/>
-                </a:solidFill>
-                <a:latin typeface="Menlo"/>
-              </a:defRPr>
-            </a:pPr>
-            <a:r>
-              <a:t>npm run inventory</a:t>
-            </a:r>
-          </a:p>
-          <a:p>
+                  <a:srgbClr val="A1A1AA"/>
+                </a:solidFill>
+              </a:defRPr>
+            </a:pPr>
+            <a:r>
+              <a:t>Terminal 2</a:t>
+            </a:r>
+          </a:p>
+          <a:p>
+            <a:br/>
             <a:pPr>
               <a:defRPr sz="1400">
                 <a:solidFill>
-                  <a:srgbClr val="A1A1AA"/>
-                </a:solidFill>
-              </a:defRPr>
-            </a:pPr>
-            <a:r>
-              <a:t>Watch for requests...</a:t>
-            </a:r>
-          </a:p>
-        </p:txBody>
-      </p:sp>
-      <p:sp>
-        <p:nvSpPr>
-          <p:cNvPr id="8" name="Rounded Rectangle 7"/>
-          <p:cNvSpPr/>
-          <p:nvPr/>
-        </p:nvSpPr>
-        <p:spPr>
-          <a:xfrm>
-            <a:off x="8412480" y="1645920"/>
-            <a:ext cx="3474720" cy="1828800"/>
-          </a:xfrm>
-          <a:prstGeom prst="roundRect">
-            <a:avLst/>
-          </a:prstGeom>
-          <a:solidFill>
-            <a:srgbClr val="27272A"/>
-          </a:solidFill>
-          <a:ln>
-            <a:noFill/>
-          </a:ln>
-        </p:spPr>
-        <p:style>
-          <a:lnRef idx="1">
-            <a:schemeClr val="accent1"/>
-          </a:lnRef>
-          <a:fillRef idx="3">
-            <a:schemeClr val="accent1"/>
-          </a:fillRef>
-          <a:effectRef idx="2">
-            <a:schemeClr val="accent1"/>
-          </a:effectRef>
-          <a:fontRef idx="minor">
-            <a:schemeClr val="lt1"/>
-          </a:fontRef>
-        </p:style>
-        <p:txBody>
-          <a:bodyPr rtlCol="0" anchor="ctr"/>
-          <a:lstStyle/>
-          <a:p>
-            <a:pPr algn="ctr"/>
-          </a:p>
-        </p:txBody>
-      </p:sp>
-      <p:sp>
-        <p:nvSpPr>
-          <p:cNvPr id="9" name="TextBox 8"/>
-          <p:cNvSpPr txBox="1"/>
-          <p:nvPr/>
-        </p:nvSpPr>
-        <p:spPr>
-          <a:xfrm>
-            <a:off x="8595360" y="1828800"/>
-            <a:ext cx="3108960" cy="1463040"/>
+                  <a:srgbClr val="22C55E"/>
+                </a:solidFill>
+                <a:latin typeface="Menlo"/>
+              </a:defRPr>
+            </a:pPr>
+            <a:r>
+              <a:t>$ pnpm inventory</a:t>
+            </a:r>
+          </a:p>
+          <a:p>
+            <a:pPr>
+              <a:defRPr sz="1400">
+                <a:solidFill>
+                  <a:srgbClr val="FFFFFF"/>
+                </a:solidFill>
+                <a:latin typeface="Menlo"/>
+              </a:defRPr>
+            </a:pPr>
+            <a:r>
+              <a:t>Backend services...</a:t>
+            </a:r>
+          </a:p>
+        </p:txBody>
+      </p:sp>
+      <p:sp>
+        <p:nvSpPr>
+          <p:cNvPr id="7" name="TextBox 6"/>
+          <p:cNvSpPr txBox="1"/>
+          <p:nvPr/>
+        </p:nvSpPr>
+        <p:spPr>
+          <a:xfrm>
+            <a:off x="457200" y="5486400"/>
+            <a:ext cx="11274552" cy="914400"/>
           </a:xfrm>
           <a:prstGeom prst="rect">
             <a:avLst/>
@@ -7617,68 +8429,20 @@
           <a:noFill/>
         </p:spPr>
         <p:txBody>
-          <a:bodyPr wrap="none">
-            <a:spAutoFit/>
-          </a:bodyPr>
-          <a:lstStyle/>
-          <a:p>
-            <a:pPr>
-              <a:defRPr sz="2000" b="1">
-                <a:solidFill>
-                  <a:srgbClr val="FFFFFF"/>
-                </a:solidFill>
-              </a:defRPr>
-            </a:pPr>
-            <a:r>
-              <a:t>Playwright</a:t>
-            </a:r>
-          </a:p>
-          <a:p>
-            <a:pPr>
-              <a:defRPr sz="1600">
-                <a:solidFill>
-                  <a:srgbClr val="22C55E"/>
-                </a:solidFill>
-                <a:latin typeface="Menlo"/>
-              </a:defRPr>
-            </a:pPr>
-            <a:r>
-              <a:t>npx playwright test</a:t>
-            </a:r>
-          </a:p>
-        </p:txBody>
-      </p:sp>
-      <p:sp>
-        <p:nvSpPr>
-          <p:cNvPr id="10" name="TextBox 9"/>
-          <p:cNvSpPr txBox="1"/>
-          <p:nvPr/>
-        </p:nvSpPr>
-        <p:spPr>
-          <a:xfrm>
-            <a:off x="914400" y="3931920"/>
-            <a:ext cx="10362895" cy="914400"/>
-          </a:xfrm>
-          <a:prstGeom prst="rect">
-            <a:avLst/>
-          </a:prstGeom>
-          <a:noFill/>
-        </p:spPr>
-        <p:txBody>
           <a:bodyPr wrap="square">
             <a:spAutoFit/>
           </a:bodyPr>
           <a:lstStyle/>
           <a:p>
             <a:pPr algn="ctr">
-              <a:defRPr sz="2800">
-                <a:solidFill>
-                  <a:srgbClr val="FFFFFF"/>
-                </a:solidFill>
-              </a:defRPr>
-            </a:pPr>
-            <a:r>
-              <a:t>PayFlow with Scenarist installed</a:t>
+              <a:defRPr sz="2400">
+                <a:solidFill>
+                  <a:srgbClr val="F59E0B"/>
+                </a:solidFill>
+              </a:defRPr>
+            </a:pPr>
+            <a:r>
+              <a:t>Watch Terminal 2 - it should stay silent.</a:t>
             </a:r>
           </a:p>
         </p:txBody>
